--- a/Docker-Notes.pptx
+++ b/Docker-Notes.pptx
@@ -8,7 +8,7 @@
     <p:notesMasterId r:id="rId4"/>
   </p:notesMasterIdLst>
   <p:handoutMasterIdLst>
-    <p:handoutMasterId r:id="rId13"/>
+    <p:handoutMasterId r:id="rId14"/>
   </p:handoutMasterIdLst>
   <p:sldIdLst>
     <p:sldId id="256" r:id="rId3"/>
@@ -17,9 +17,10 @@
     <p:sldId id="261" r:id="rId7"/>
     <p:sldId id="263" r:id="rId8"/>
     <p:sldId id="258" r:id="rId9"/>
-    <p:sldId id="262" r:id="rId10"/>
-    <p:sldId id="260" r:id="rId11"/>
-    <p:sldId id="264" r:id="rId12"/>
+    <p:sldId id="265" r:id="rId10"/>
+    <p:sldId id="262" r:id="rId11"/>
+    <p:sldId id="260" r:id="rId12"/>
+    <p:sldId id="264" r:id="rId13"/>
   </p:sldIdLst>
   <p:sldSz cx="12192000" cy="6858000"/>
   <p:notesSz cx="6858000" cy="9144000"/>
@@ -3774,6 +3775,71 @@
 </p:sld>
 </file>
 
+<file path=ppt/slides/slide10.xml><?xml version="1.0" encoding="utf-8"?>
+<p:sld xmlns:a="http://schemas.openxmlformats.org/drawingml/2006/main" xmlns:r="http://schemas.openxmlformats.org/officeDocument/2006/relationships" xmlns:p="http://schemas.openxmlformats.org/presentationml/2006/main">
+  <p:cSld>
+    <p:spTree>
+      <p:nvGrpSpPr>
+        <p:cNvPr id="1" name=""/>
+        <p:cNvGrpSpPr/>
+        <p:nvPr/>
+      </p:nvGrpSpPr>
+      <p:grpSpPr/>
+      <p:sp>
+        <p:nvSpPr>
+          <p:cNvPr id="2" name="标题 1"/>
+          <p:cNvSpPr>
+            <a:spLocks noGrp="1"/>
+          </p:cNvSpPr>
+          <p:nvPr>
+            <p:ph type="title"/>
+          </p:nvPr>
+        </p:nvSpPr>
+        <p:spPr/>
+        <p:txBody>
+          <a:bodyPr/>
+          <a:p>
+            <a:r>
+              <a:rPr lang="en-US" altLang="zh-CN"/>
+              <a:t>References</a:t>
+            </a:r>
+            <a:endParaRPr lang="en-US" altLang="zh-CN"/>
+          </a:p>
+        </p:txBody>
+      </p:sp>
+      <p:sp>
+        <p:nvSpPr>
+          <p:cNvPr id="3" name="内容占位符 2"/>
+          <p:cNvSpPr>
+            <a:spLocks noGrp="1"/>
+          </p:cNvSpPr>
+          <p:nvPr>
+            <p:ph idx="1"/>
+          </p:nvPr>
+        </p:nvSpPr>
+        <p:spPr/>
+        <p:txBody>
+          <a:bodyPr/>
+          <a:p>
+            <a:r>
+              <a:rPr lang="zh-CN" altLang="en-US"/>
+              <a:t>https://www.tutorialspoint.com/docker/</a:t>
+            </a:r>
+            <a:endParaRPr lang="zh-CN" altLang="en-US"/>
+          </a:p>
+        </p:txBody>
+      </p:sp>
+    </p:spTree>
+    <p:custDataLst>
+      <p:tags r:id="rId1"/>
+    </p:custDataLst>
+  </p:cSld>
+  <p:clrMapOvr>
+    <a:masterClrMapping/>
+  </p:clrMapOvr>
+</p:sld>
+</file>
+
 <file path=ppt/slides/slide2.xml><?xml version="1.0" encoding="utf-8"?>
 <p:sld xmlns:a="http://schemas.openxmlformats.org/drawingml/2006/main" xmlns:r="http://schemas.openxmlformats.org/officeDocument/2006/relationships" xmlns:p="http://schemas.openxmlformats.org/presentationml/2006/main">
   <p:cSld>
@@ -4782,7 +4848,7 @@
         </p:spPr>
         <p:txBody>
           <a:bodyPr>
-            <a:normAutofit lnSpcReduction="10000"/>
+            <a:normAutofit lnSpcReduction="20000"/>
           </a:bodyPr>
           <a:p>
             <a:r>
@@ -4924,6 +4990,14 @@
             <a:r>
               <a:rPr lang="en-US" altLang="zh-CN"/>
               <a:t>service docker start/stop	// stop Docker daemon</a:t>
+            </a:r>
+            <a:endParaRPr lang="en-US" altLang="zh-CN"/>
+          </a:p>
+          <a:p>
+            <a:pPr lvl="1"/>
+            <a:r>
+              <a:rPr lang="en-US" altLang="zh-CN"/>
+              <a:t>docker network ls, docker network inspect {name}</a:t>
             </a:r>
             <a:endParaRPr lang="en-US" altLang="zh-CN"/>
           </a:p>
@@ -4970,7 +5044,7 @@
           <a:p>
             <a:r>
               <a:rPr lang="en-US" altLang="zh-CN"/>
-              <a:t>Docker Compose Commands</a:t>
+              <a:t>Docker Machine Commands</a:t>
             </a:r>
             <a:endParaRPr lang="en-US" altLang="zh-CN"/>
           </a:p>
@@ -5017,10 +5091,15 @@
               </a:rPr>
               <a:t>eval $(docker-machine env dev)</a:t>
             </a:r>
-            <a:endParaRPr lang="en-US" altLang="zh-CN" sz="2400"/>
-          </a:p>
-          <a:p>
-            <a:pPr lvl="1"/>
+            <a:endParaRPr lang="en-US" altLang="zh-CN" sz="2400">
+              <a:sym typeface="+mn-ea"/>
+            </a:endParaRPr>
+          </a:p>
+          <a:p>
+            <a:pPr lvl="1" algn="l">
+              <a:buClrTx/>
+              <a:buSzTx/>
+            </a:pPr>
             <a:r>
               <a:rPr lang="en-US" altLang="zh-CN" sz="2400">
                 <a:sym typeface="+mn-ea"/>
@@ -5032,60 +5111,8 @@
           <a:p>
             <a:pPr lvl="1"/>
             <a:r>
-              <a:rPr lang="en-US" altLang="zh-CN" sz="2400">
-                <a:sym typeface="+mn-ea"/>
-              </a:rPr>
-              <a:t>docker-compose.yml</a:t>
-            </a:r>
-            <a:endParaRPr lang="en-US" altLang="zh-CN" sz="2400"/>
-          </a:p>
-          <a:p>
-            <a:pPr lvl="1"/>
-            <a:r>
-              <a:rPr lang="en-US" altLang="zh-CN" sz="2400">
-                <a:sym typeface="+mn-ea"/>
-              </a:rPr>
-              <a:t>docker-compose build</a:t>
-            </a:r>
-            <a:endParaRPr lang="en-US" altLang="zh-CN" sz="2400"/>
-          </a:p>
-          <a:p>
-            <a:pPr lvl="1"/>
-            <a:r>
-              <a:rPr lang="en-US" altLang="zh-CN" sz="2400">
-                <a:sym typeface="+mn-ea"/>
-              </a:rPr>
-              <a:t>docker-compose up -d	// Start up processes</a:t>
-            </a:r>
-            <a:endParaRPr lang="en-US" altLang="zh-CN" sz="2400"/>
-          </a:p>
-          <a:p>
-            <a:pPr lvl="1"/>
-            <a:r>
-              <a:rPr lang="en-US" altLang="zh-CN" sz="2400">
-                <a:sym typeface="+mn-ea"/>
-              </a:rPr>
-              <a:t>docker-compose run web env	// show env variables</a:t>
-            </a:r>
-            <a:endParaRPr lang="en-US" altLang="zh-CN" sz="2400"/>
-          </a:p>
-          <a:p>
-            <a:pPr lvl="1"/>
-            <a:r>
-              <a:rPr lang="en-US" altLang="zh-CN" sz="2400">
-                <a:sym typeface="+mn-ea"/>
-              </a:rPr>
-              <a:t>docker-compose logs	// show logs</a:t>
-            </a:r>
-            <a:endParaRPr lang="en-US" altLang="zh-CN" sz="2400"/>
-          </a:p>
-          <a:p>
-            <a:pPr lvl="1"/>
-            <a:r>
-              <a:rPr lang="en-US" altLang="zh-CN" sz="2400">
-                <a:sym typeface="+mn-ea"/>
-              </a:rPr>
-              <a:t>docker-compose down	// Shut down processes</a:t>
+              <a:rPr lang="en-US" altLang="zh-CN" sz="2400"/>
+              <a:t>docker-machine ip default</a:t>
             </a:r>
             <a:endParaRPr lang="en-US" altLang="zh-CN" sz="2400"/>
           </a:p>
@@ -5131,7 +5158,7 @@
           <a:p>
             <a:r>
               <a:rPr lang="en-US" altLang="zh-CN"/>
-              <a:t>Dockerfile</a:t>
+              <a:t>Docker Compose Commands</a:t>
             </a:r>
             <a:endParaRPr lang="en-US" altLang="zh-CN"/>
           </a:p>
@@ -5149,182 +5176,102 @@
         </p:nvSpPr>
         <p:spPr/>
         <p:txBody>
-          <a:bodyPr>
-            <a:normAutofit lnSpcReduction="10000"/>
-          </a:bodyPr>
-          <a:p>
-            <a:r>
-              <a:rPr lang="en-US" altLang="zh-CN"/>
-              <a:t>Commands</a:t>
-            </a:r>
-            <a:endParaRPr lang="en-US" altLang="zh-CN"/>
+          <a:bodyPr/>
+          <a:p>
+            <a:pPr lvl="0"/>
+            <a:r>
+              <a:rPr lang="en-US" altLang="zh-CN" sz="2400">
+                <a:sym typeface="+mn-ea"/>
+              </a:rPr>
+              <a:t>Intro</a:t>
+            </a:r>
+            <a:endParaRPr lang="en-US" altLang="zh-CN" sz="2400">
+              <a:sym typeface="+mn-ea"/>
+            </a:endParaRPr>
           </a:p>
           <a:p>
             <a:pPr lvl="1"/>
             <a:r>
-              <a:rPr lang="en-US" altLang="zh-CN"/>
-              <a:t>FROM	// from which you want to base your image with</a:t>
-            </a:r>
-            <a:endParaRPr lang="en-US" altLang="zh-CN"/>
+              <a:rPr lang="en-US" altLang="zh-CN" sz="2000">
+                <a:sym typeface="+mn-ea"/>
+              </a:rPr>
+              <a:t>Used to run multiple containers as a single service</a:t>
+            </a:r>
+            <a:endParaRPr lang="en-US" altLang="zh-CN" sz="2000">
+              <a:sym typeface="+mn-ea"/>
+            </a:endParaRPr>
+          </a:p>
+          <a:p>
+            <a:pPr lvl="0"/>
+            <a:r>
+              <a:rPr lang="en-US" altLang="zh-CN" sz="2400">
+                <a:sym typeface="+mn-ea"/>
+              </a:rPr>
+              <a:t>docker-compose commands</a:t>
+            </a:r>
+            <a:endParaRPr lang="en-US" altLang="zh-CN" sz="2400"/>
           </a:p>
           <a:p>
             <a:pPr lvl="1"/>
             <a:r>
-              <a:rPr lang="en-US" altLang="zh-CN"/>
-              <a:t>WORKDIR</a:t>
-            </a:r>
-            <a:endParaRPr lang="en-US" altLang="zh-CN"/>
+              <a:rPr lang="en-US" altLang="zh-CN" sz="2400">
+                <a:sym typeface="+mn-ea"/>
+              </a:rPr>
+              <a:t>docker-compose.yml</a:t>
+            </a:r>
+            <a:endParaRPr lang="en-US" altLang="zh-CN" sz="2400"/>
           </a:p>
           <a:p>
             <a:pPr lvl="1"/>
             <a:r>
-              <a:rPr lang="en-US" altLang="zh-CN"/>
-              <a:t>COPY</a:t>
-            </a:r>
-            <a:endParaRPr lang="en-US" altLang="zh-CN"/>
+              <a:rPr lang="en-US" altLang="zh-CN" sz="2400">
+                <a:sym typeface="+mn-ea"/>
+              </a:rPr>
+              <a:t>docker-compose build</a:t>
+            </a:r>
+            <a:endParaRPr lang="en-US" altLang="zh-CN" sz="2400"/>
           </a:p>
           <a:p>
             <a:pPr lvl="1"/>
             <a:r>
-              <a:rPr lang="en-US" altLang="zh-CN"/>
-              <a:t>RUN</a:t>
-            </a:r>
-            <a:endParaRPr lang="en-US" altLang="zh-CN"/>
+              <a:rPr lang="en-US" altLang="zh-CN" sz="2400">
+                <a:sym typeface="+mn-ea"/>
+              </a:rPr>
+              <a:t>docker-compose up -d	// Start up processes</a:t>
+            </a:r>
+            <a:endParaRPr lang="en-US" altLang="zh-CN" sz="2400"/>
           </a:p>
           <a:p>
             <a:pPr lvl="1"/>
             <a:r>
-              <a:rPr lang="en-US" altLang="zh-CN"/>
-              <a:t>CMD</a:t>
-            </a:r>
-            <a:endParaRPr lang="en-US" altLang="zh-CN"/>
-          </a:p>
-          <a:p>
-            <a:pPr lvl="2"/>
-            <a:r>
-              <a:rPr lang="en-US" altLang="zh-CN" sz="1800"/>
-              <a:t>CMD [“echo”, “Image created”]</a:t>
-            </a:r>
-            <a:endParaRPr lang="en-US" altLang="zh-CN"/>
+              <a:rPr lang="en-US" altLang="zh-CN" sz="2400">
+                <a:sym typeface="+mn-ea"/>
+              </a:rPr>
+              <a:t>docker-compose run web env	// show env variables</a:t>
+            </a:r>
+            <a:endParaRPr lang="en-US" altLang="zh-CN" sz="2400"/>
           </a:p>
           <a:p>
             <a:pPr lvl="1"/>
             <a:r>
-              <a:rPr lang="en-US" altLang="zh-CN"/>
-              <a:t>MAINTAINER	// mail address</a:t>
-            </a:r>
-            <a:endParaRPr lang="en-US" altLang="zh-CN"/>
-          </a:p>
-          <a:p>
-            <a:pPr lvl="0"/>
-            <a:r>
-              <a:rPr lang="en-US" altLang="zh-CN"/>
-              <a:t>Build</a:t>
-            </a:r>
-            <a:endParaRPr lang="en-US" altLang="zh-CN"/>
+              <a:rPr lang="en-US" altLang="zh-CN" sz="2400">
+                <a:sym typeface="+mn-ea"/>
+              </a:rPr>
+              <a:t>docker-compose logs	// show logs</a:t>
+            </a:r>
+            <a:endParaRPr lang="en-US" altLang="zh-CN" sz="2400"/>
           </a:p>
           <a:p>
             <a:pPr lvl="1"/>
             <a:r>
-              <a:rPr lang="en-US" altLang="zh-CN"/>
-              <a:t>docker build -t {image-name}:{tag-name} dir</a:t>
-            </a:r>
-            <a:endParaRPr lang="en-US" altLang="zh-CN"/>
-          </a:p>
-          <a:p>
-            <a:pPr lvl="2"/>
-            <a:r>
-              <a:rPr lang="en-US" altLang="zh-CN"/>
-              <a:t>-t: with tag</a:t>
-            </a:r>
-            <a:endParaRPr lang="en-US" altLang="zh-CN"/>
-          </a:p>
-          <a:p>
-            <a:pPr lvl="0"/>
-            <a:r>
-              <a:rPr lang="en-US" altLang="zh-CN"/>
-              <a:t>Public respositories</a:t>
-            </a:r>
-            <a:endParaRPr lang="en-US" altLang="zh-CN"/>
-          </a:p>
-          <a:p>
-            <a:pPr lvl="1"/>
-            <a:r>
-              <a:rPr lang="en-US" altLang="zh-CN"/>
-              <a:t>Docker Hub</a:t>
-            </a:r>
-            <a:endParaRPr lang="en-US" altLang="zh-CN"/>
-          </a:p>
-        </p:txBody>
-      </p:sp>
-      <p:sp>
-        <p:nvSpPr>
-          <p:cNvPr id="5" name="文本框 4"/>
-          <p:cNvSpPr txBox="1"/>
-          <p:nvPr/>
-        </p:nvSpPr>
-        <p:spPr>
-          <a:xfrm>
-            <a:off x="6753860" y="2163445"/>
-            <a:ext cx="4850130" cy="2030095"/>
-          </a:xfrm>
-          <a:prstGeom prst="rect">
-            <a:avLst/>
-          </a:prstGeom>
-          <a:noFill/>
-          <a:ln>
-            <a:solidFill>
-              <a:srgbClr val="FFC000"/>
-            </a:solidFill>
-          </a:ln>
-        </p:spPr>
-        <p:txBody>
-          <a:bodyPr wrap="square" rtlCol="0">
-            <a:spAutoFit/>
-          </a:bodyPr>
-          <a:p>
-            <a:r>
-              <a:rPr lang="zh-CN" altLang="en-US"/>
-              <a:t>#This is a sample Image </a:t>
-            </a:r>
-            <a:endParaRPr lang="zh-CN" altLang="en-US"/>
-          </a:p>
-          <a:p>
-            <a:r>
-              <a:rPr lang="zh-CN" altLang="en-US"/>
-              <a:t>FROM ubuntu </a:t>
-            </a:r>
-            <a:endParaRPr lang="zh-CN" altLang="en-US"/>
-          </a:p>
-          <a:p>
-            <a:r>
-              <a:rPr lang="zh-CN" altLang="en-US"/>
-              <a:t>MAINTAINER demousr@gmail.com </a:t>
-            </a:r>
-            <a:endParaRPr lang="zh-CN" altLang="en-US"/>
-          </a:p>
-          <a:p>
-            <a:endParaRPr lang="zh-CN" altLang="en-US"/>
-          </a:p>
-          <a:p>
-            <a:r>
-              <a:rPr lang="zh-CN" altLang="en-US"/>
-              <a:t>RUN apt-get update </a:t>
-            </a:r>
-            <a:endParaRPr lang="zh-CN" altLang="en-US"/>
-          </a:p>
-          <a:p>
-            <a:r>
-              <a:rPr lang="zh-CN" altLang="en-US"/>
-              <a:t>RUN apt-get install –y nginx </a:t>
-            </a:r>
-            <a:endParaRPr lang="zh-CN" altLang="en-US"/>
-          </a:p>
-          <a:p>
-            <a:r>
-              <a:rPr lang="zh-CN" altLang="en-US"/>
-              <a:t>CMD [“echo”,”Image created”] </a:t>
-            </a:r>
+              <a:rPr lang="en-US" altLang="zh-CN" sz="2400">
+                <a:sym typeface="+mn-ea"/>
+              </a:rPr>
+              <a:t>docker-compose down	// Shut down processes</a:t>
+            </a:r>
+            <a:endParaRPr lang="en-US" altLang="zh-CN" sz="2400"/>
+          </a:p>
+          <a:p>
             <a:endParaRPr lang="zh-CN" altLang="en-US"/>
           </a:p>
         </p:txBody>
@@ -5366,7 +5313,7 @@
           <a:p>
             <a:r>
               <a:rPr lang="en-US" altLang="zh-CN"/>
-              <a:t>References</a:t>
+              <a:t>Dockerfile</a:t>
             </a:r>
             <a:endParaRPr lang="en-US" altLang="zh-CN"/>
           </a:p>
@@ -5384,11 +5331,197 @@
         </p:nvSpPr>
         <p:spPr/>
         <p:txBody>
-          <a:bodyPr/>
+          <a:bodyPr>
+            <a:normAutofit lnSpcReduction="20000"/>
+          </a:bodyPr>
+          <a:p>
+            <a:r>
+              <a:rPr lang="en-US" altLang="zh-CN"/>
+              <a:t>Commands</a:t>
+            </a:r>
+            <a:endParaRPr lang="en-US" altLang="zh-CN"/>
+          </a:p>
+          <a:p>
+            <a:pPr lvl="1"/>
+            <a:r>
+              <a:rPr lang="en-US" altLang="zh-CN"/>
+              <a:t>FROM	// from which you want to base your image with</a:t>
+            </a:r>
+            <a:endParaRPr lang="en-US" altLang="zh-CN"/>
+          </a:p>
+          <a:p>
+            <a:pPr lvl="1"/>
+            <a:r>
+              <a:rPr lang="en-US" altLang="zh-CN"/>
+              <a:t>WORKDIR</a:t>
+            </a:r>
+            <a:endParaRPr lang="en-US" altLang="zh-CN"/>
+          </a:p>
+          <a:p>
+            <a:pPr lvl="1"/>
+            <a:r>
+              <a:rPr lang="en-US" altLang="zh-CN"/>
+              <a:t>COPY</a:t>
+            </a:r>
+            <a:endParaRPr lang="en-US" altLang="zh-CN"/>
+          </a:p>
+          <a:p>
+            <a:pPr lvl="1"/>
+            <a:r>
+              <a:rPr lang="en-US" altLang="zh-CN"/>
+              <a:t>RUN</a:t>
+            </a:r>
+            <a:endParaRPr lang="en-US" altLang="zh-CN"/>
+          </a:p>
+          <a:p>
+            <a:pPr lvl="1"/>
+            <a:r>
+              <a:rPr lang="en-US" altLang="zh-CN"/>
+              <a:t>CMD</a:t>
+            </a:r>
+            <a:endParaRPr lang="en-US" altLang="zh-CN"/>
+          </a:p>
+          <a:p>
+            <a:pPr lvl="2"/>
+            <a:r>
+              <a:rPr lang="en-US" altLang="zh-CN" sz="1800"/>
+              <a:t>CMD [“echo”, “Image created”]</a:t>
+            </a:r>
+            <a:endParaRPr lang="en-US" altLang="zh-CN"/>
+          </a:p>
+          <a:p>
+            <a:pPr lvl="1"/>
+            <a:r>
+              <a:rPr lang="en-US" altLang="zh-CN"/>
+              <a:t>MAINTAINER	// mail address</a:t>
+            </a:r>
+            <a:endParaRPr lang="en-US" altLang="zh-CN"/>
+          </a:p>
+          <a:p>
+            <a:pPr lvl="1"/>
+            <a:r>
+              <a:rPr lang="en-US" altLang="zh-CN"/>
+              <a:t>ENV {key1}={value1}</a:t>
+            </a:r>
+            <a:endParaRPr lang="en-US" altLang="zh-CN"/>
+          </a:p>
+          <a:p>
+            <a:pPr lvl="1"/>
+            <a:r>
+              <a:rPr lang="en-US" altLang="zh-CN"/>
+              <a:t>WORKDIR {dirname}</a:t>
+            </a:r>
+            <a:endParaRPr lang="en-US" altLang="zh-CN"/>
+          </a:p>
+          <a:p>
+            <a:pPr lvl="0"/>
+            <a:r>
+              <a:rPr lang="en-US" altLang="zh-CN"/>
+              <a:t>Build</a:t>
+            </a:r>
+            <a:endParaRPr lang="en-US" altLang="zh-CN"/>
+          </a:p>
+          <a:p>
+            <a:pPr lvl="1"/>
+            <a:r>
+              <a:rPr lang="en-US" altLang="zh-CN"/>
+              <a:t>docker build -t {image-name}:{tag-name} dir</a:t>
+            </a:r>
+            <a:endParaRPr lang="en-US" altLang="zh-CN"/>
+          </a:p>
+          <a:p>
+            <a:pPr lvl="2"/>
+            <a:r>
+              <a:rPr lang="en-US" altLang="zh-CN"/>
+              <a:t>-t: with tag</a:t>
+            </a:r>
+            <a:endParaRPr lang="en-US" altLang="zh-CN"/>
+          </a:p>
+          <a:p>
+            <a:pPr lvl="0"/>
+            <a:r>
+              <a:rPr lang="en-US" altLang="zh-CN"/>
+              <a:t>Public respositories</a:t>
+            </a:r>
+            <a:endParaRPr lang="en-US" altLang="zh-CN"/>
+          </a:p>
+          <a:p>
+            <a:pPr lvl="1"/>
+            <a:r>
+              <a:rPr lang="en-US" altLang="zh-CN"/>
+              <a:t>Docker Hub</a:t>
+            </a:r>
+            <a:endParaRPr lang="en-US" altLang="zh-CN"/>
+          </a:p>
+        </p:txBody>
+      </p:sp>
+      <p:sp>
+        <p:nvSpPr>
+          <p:cNvPr id="5" name="文本框 4"/>
+          <p:cNvSpPr txBox="1"/>
+          <p:nvPr/>
+        </p:nvSpPr>
+        <p:spPr>
+          <a:xfrm>
+            <a:off x="6753860" y="2163445"/>
+            <a:ext cx="4850130" cy="2030095"/>
+          </a:xfrm>
+          <a:prstGeom prst="rect">
+            <a:avLst/>
+          </a:prstGeom>
+          <a:noFill/>
+          <a:ln>
+            <a:solidFill>
+              <a:srgbClr val="FFC000"/>
+            </a:solidFill>
+          </a:ln>
+        </p:spPr>
+        <p:txBody>
+          <a:bodyPr wrap="square" rtlCol="0">
+            <a:spAutoFit/>
+          </a:bodyPr>
           <a:p>
             <a:r>
               <a:rPr lang="zh-CN" altLang="en-US"/>
-              <a:t>https://www.tutorialspoint.com/docker/</a:t>
+              <a:t>#This is a sample Image </a:t>
+            </a:r>
+            <a:endParaRPr lang="zh-CN" altLang="en-US"/>
+          </a:p>
+          <a:p>
+            <a:r>
+              <a:rPr lang="zh-CN" altLang="en-US"/>
+              <a:t>FROM ubuntu </a:t>
+            </a:r>
+            <a:endParaRPr lang="zh-CN" altLang="en-US"/>
+          </a:p>
+          <a:p>
+            <a:r>
+              <a:rPr lang="zh-CN" altLang="en-US"/>
+              <a:t>MAINTAINER demousr@gmail.com </a:t>
+            </a:r>
+            <a:endParaRPr lang="zh-CN" altLang="en-US"/>
+          </a:p>
+          <a:p>
+            <a:endParaRPr lang="zh-CN" altLang="en-US"/>
+          </a:p>
+          <a:p>
+            <a:r>
+              <a:rPr lang="zh-CN" altLang="en-US"/>
+              <a:t>RUN apt-get update </a:t>
+            </a:r>
+            <a:endParaRPr lang="zh-CN" altLang="en-US"/>
+          </a:p>
+          <a:p>
+            <a:r>
+              <a:rPr lang="zh-CN" altLang="en-US"/>
+              <a:t>RUN apt-get install –y nginx </a:t>
+            </a:r>
+            <a:endParaRPr lang="zh-CN" altLang="en-US"/>
+          </a:p>
+          <a:p>
+            <a:r>
+              <a:rPr lang="zh-CN" altLang="en-US"/>
+              <a:t>CMD [“echo”,”Image created”] </a:t>
             </a:r>
             <a:endParaRPr lang="zh-CN" altLang="en-US"/>
           </a:p>
@@ -5446,6 +5579,14 @@
 </file>
 
 <file path=ppt/tags/tag14.xml><?xml version="1.0" encoding="utf-8"?>
+<p:tagLst xmlns:p="http://schemas.openxmlformats.org/presentationml/2006/main">
+  <p:tag name="KSO_WM_BEAUTIFY_FLAG" val="#wm#"/>
+  <p:tag name="KSO_WM_TEMPLATE_CATEGORY" val="custom"/>
+  <p:tag name="KSO_WM_TEMPLATE_INDEX" val="160402"/>
+</p:tagLst>
+</file>
+
+<file path=ppt/tags/tag15.xml><?xml version="1.0" encoding="utf-8"?>
 <p:tagLst xmlns:p="http://schemas.openxmlformats.org/presentationml/2006/main">
   <p:tag name="KSO_WM_BEAUTIFY_FLAG" val="#wm#"/>
   <p:tag name="KSO_WM_TEMPLATE_CATEGORY" val="custom"/>

--- a/Docker-Notes.pptx
+++ b/Docker-Notes.pptx
@@ -8,19 +8,23 @@
     <p:notesMasterId r:id="rId4"/>
   </p:notesMasterIdLst>
   <p:handoutMasterIdLst>
-    <p:handoutMasterId r:id="rId14"/>
+    <p:handoutMasterId r:id="rId18"/>
   </p:handoutMasterIdLst>
   <p:sldIdLst>
     <p:sldId id="256" r:id="rId3"/>
     <p:sldId id="257" r:id="rId5"/>
-    <p:sldId id="259" r:id="rId6"/>
-    <p:sldId id="261" r:id="rId7"/>
-    <p:sldId id="263" r:id="rId8"/>
-    <p:sldId id="258" r:id="rId9"/>
-    <p:sldId id="265" r:id="rId10"/>
-    <p:sldId id="262" r:id="rId11"/>
-    <p:sldId id="260" r:id="rId12"/>
-    <p:sldId id="264" r:id="rId13"/>
+    <p:sldId id="269" r:id="rId6"/>
+    <p:sldId id="270" r:id="rId7"/>
+    <p:sldId id="271" r:id="rId8"/>
+    <p:sldId id="259" r:id="rId9"/>
+    <p:sldId id="261" r:id="rId10"/>
+    <p:sldId id="263" r:id="rId11"/>
+    <p:sldId id="258" r:id="rId12"/>
+    <p:sldId id="280" r:id="rId13"/>
+    <p:sldId id="260" r:id="rId14"/>
+    <p:sldId id="262" r:id="rId15"/>
+    <p:sldId id="265" r:id="rId16"/>
+    <p:sldId id="264" r:id="rId17"/>
   </p:sldIdLst>
   <p:sldSz cx="12192000" cy="6858000"/>
   <p:notesSz cx="6858000" cy="9144000"/>
@@ -3758,7 +3762,7 @@
           <a:p>
             <a:r>
               <a:rPr lang="en-US" altLang="zh-CN" sz="2000"/>
-              <a:t>Last updated: 12/24/2019</a:t>
+              <a:t>Last updated: 1/30/2020</a:t>
             </a:r>
             <a:endParaRPr lang="en-US" altLang="zh-CN" sz="2000"/>
           </a:p>
@@ -3776,6 +3780,751 @@
 </file>
 
 <file path=ppt/slides/slide10.xml><?xml version="1.0" encoding="utf-8"?>
+<p:sld xmlns:a="http://schemas.openxmlformats.org/drawingml/2006/main" xmlns:r="http://schemas.openxmlformats.org/officeDocument/2006/relationships" xmlns:p="http://schemas.openxmlformats.org/presentationml/2006/main">
+  <p:cSld>
+    <p:spTree>
+      <p:nvGrpSpPr>
+        <p:cNvPr id="1" name=""/>
+        <p:cNvGrpSpPr/>
+        <p:nvPr/>
+      </p:nvGrpSpPr>
+      <p:grpSpPr/>
+      <p:sp>
+        <p:nvSpPr>
+          <p:cNvPr id="2" name="标题 1"/>
+          <p:cNvSpPr>
+            <a:spLocks noGrp="1"/>
+          </p:cNvSpPr>
+          <p:nvPr>
+            <p:ph type="title"/>
+          </p:nvPr>
+        </p:nvSpPr>
+        <p:spPr/>
+        <p:txBody>
+          <a:bodyPr/>
+          <a:p>
+            <a:r>
+              <a:rPr lang="en-US" altLang="zh-CN"/>
+              <a:t>Docker Volume</a:t>
+            </a:r>
+            <a:endParaRPr lang="en-US" altLang="zh-CN"/>
+          </a:p>
+        </p:txBody>
+      </p:sp>
+      <p:sp>
+        <p:nvSpPr>
+          <p:cNvPr id="5" name="内容占位符 4"/>
+          <p:cNvSpPr/>
+          <p:nvPr>
+            <p:ph idx="1"/>
+          </p:nvPr>
+        </p:nvSpPr>
+        <p:spPr>
+          <a:xfrm>
+            <a:off x="838200" y="1211580"/>
+            <a:ext cx="6217285" cy="4549140"/>
+          </a:xfrm>
+        </p:spPr>
+        <p:txBody>
+          <a:bodyPr/>
+          <a:p>
+            <a:r>
+              <a:rPr lang="en-US" altLang="zh-CN"/>
+              <a:t>Concept</a:t>
+            </a:r>
+            <a:endParaRPr lang="en-US" altLang="zh-CN"/>
+          </a:p>
+          <a:p>
+            <a:pPr lvl="1"/>
+            <a:r>
+              <a:rPr lang="en-US" altLang="zh-CN" sz="2000"/>
+              <a:t>Volumes in image are added when run container.</a:t>
+            </a:r>
+            <a:endParaRPr lang="en-US" altLang="zh-CN"/>
+          </a:p>
+          <a:p>
+            <a:r>
+              <a:rPr lang="en-US" altLang="zh-CN"/>
+              <a:t>Commands</a:t>
+            </a:r>
+            <a:endParaRPr lang="en-US" altLang="zh-CN"/>
+          </a:p>
+          <a:p>
+            <a:pPr lvl="1"/>
+            <a:r>
+              <a:rPr lang="en-US" altLang="zh-CN"/>
+              <a:t>docker volume ls</a:t>
+            </a:r>
+            <a:endParaRPr lang="en-US" altLang="zh-CN"/>
+          </a:p>
+        </p:txBody>
+      </p:sp>
+      <p:pic>
+        <p:nvPicPr>
+          <p:cNvPr id="6" name="图片 5" descr="types-of-mounts-volume"/>
+          <p:cNvPicPr>
+            <a:picLocks noChangeAspect="1"/>
+          </p:cNvPicPr>
+          <p:nvPr/>
+        </p:nvPicPr>
+        <p:blipFill>
+          <a:blip r:embed="rId1"/>
+          <a:stretch>
+            <a:fillRect/>
+          </a:stretch>
+        </p:blipFill>
+        <p:spPr>
+          <a:xfrm>
+            <a:off x="7056120" y="1366520"/>
+            <a:ext cx="4781550" cy="2428875"/>
+          </a:xfrm>
+          <a:prstGeom prst="rect">
+            <a:avLst/>
+          </a:prstGeom>
+        </p:spPr>
+      </p:pic>
+    </p:spTree>
+    <p:custDataLst>
+      <p:tags r:id="rId2"/>
+    </p:custDataLst>
+  </p:cSld>
+  <p:clrMapOvr>
+    <a:masterClrMapping/>
+  </p:clrMapOvr>
+</p:sld>
+</file>
+
+<file path=ppt/slides/slide11.xml><?xml version="1.0" encoding="utf-8"?>
+<p:sld xmlns:a="http://schemas.openxmlformats.org/drawingml/2006/main" xmlns:r="http://schemas.openxmlformats.org/officeDocument/2006/relationships" xmlns:p="http://schemas.openxmlformats.org/presentationml/2006/main">
+  <p:cSld>
+    <p:spTree>
+      <p:nvGrpSpPr>
+        <p:cNvPr id="1" name=""/>
+        <p:cNvGrpSpPr/>
+        <p:nvPr/>
+      </p:nvGrpSpPr>
+      <p:grpSpPr/>
+      <p:sp>
+        <p:nvSpPr>
+          <p:cNvPr id="2" name="标题 1"/>
+          <p:cNvSpPr>
+            <a:spLocks noGrp="1"/>
+          </p:cNvSpPr>
+          <p:nvPr>
+            <p:ph type="title"/>
+          </p:nvPr>
+        </p:nvSpPr>
+        <p:spPr/>
+        <p:txBody>
+          <a:bodyPr/>
+          <a:p>
+            <a:r>
+              <a:rPr lang="en-US" altLang="zh-CN"/>
+              <a:t>Dockerfile</a:t>
+            </a:r>
+            <a:endParaRPr lang="en-US" altLang="zh-CN"/>
+          </a:p>
+        </p:txBody>
+      </p:sp>
+      <p:sp>
+        <p:nvSpPr>
+          <p:cNvPr id="3" name="内容占位符 2"/>
+          <p:cNvSpPr>
+            <a:spLocks noGrp="1"/>
+          </p:cNvSpPr>
+          <p:nvPr>
+            <p:ph idx="1"/>
+          </p:nvPr>
+        </p:nvSpPr>
+        <p:spPr>
+          <a:xfrm>
+            <a:off x="838200" y="1211580"/>
+            <a:ext cx="10515600" cy="5005705"/>
+          </a:xfrm>
+        </p:spPr>
+        <p:txBody>
+          <a:bodyPr>
+            <a:normAutofit fontScale="70000"/>
+          </a:bodyPr>
+          <a:p>
+            <a:r>
+              <a:rPr lang="en-US" altLang="zh-CN"/>
+              <a:t>Intro</a:t>
+            </a:r>
+            <a:endParaRPr lang="en-US" altLang="zh-CN"/>
+          </a:p>
+          <a:p>
+            <a:pPr lvl="1"/>
+            <a:r>
+              <a:rPr lang="en-US" altLang="zh-CN" sz="2000"/>
+              <a:t>Tells docker how to build an image</a:t>
+            </a:r>
+            <a:endParaRPr lang="en-US" altLang="zh-CN"/>
+          </a:p>
+          <a:p>
+            <a:r>
+              <a:rPr lang="en-US" altLang="zh-CN"/>
+              <a:t>Commands</a:t>
+            </a:r>
+            <a:endParaRPr lang="en-US" altLang="zh-CN"/>
+          </a:p>
+          <a:p>
+            <a:pPr lvl="1"/>
+            <a:r>
+              <a:rPr lang="en-US" altLang="zh-CN"/>
+              <a:t>FROM	// what image to pull from the Docker Hub repository</a:t>
+            </a:r>
+            <a:endParaRPr lang="en-US" altLang="zh-CN"/>
+          </a:p>
+          <a:p>
+            <a:pPr lvl="1"/>
+            <a:r>
+              <a:rPr lang="en-US" altLang="zh-CN"/>
+              <a:t>WORKDIR</a:t>
+            </a:r>
+            <a:endParaRPr lang="en-US" altLang="zh-CN"/>
+          </a:p>
+          <a:p>
+            <a:pPr lvl="1"/>
+            <a:r>
+              <a:rPr lang="en-US" altLang="zh-CN"/>
+              <a:t>COPY</a:t>
+            </a:r>
+            <a:endParaRPr lang="en-US" altLang="zh-CN"/>
+          </a:p>
+          <a:p>
+            <a:pPr lvl="1"/>
+            <a:r>
+              <a:rPr lang="en-US" altLang="zh-CN"/>
+              <a:t>RUN</a:t>
+            </a:r>
+            <a:endParaRPr lang="en-US" altLang="zh-CN"/>
+          </a:p>
+          <a:p>
+            <a:pPr lvl="1"/>
+            <a:r>
+              <a:rPr lang="en-US" altLang="zh-CN"/>
+              <a:t>CMD</a:t>
+            </a:r>
+            <a:endParaRPr lang="en-US" altLang="zh-CN"/>
+          </a:p>
+          <a:p>
+            <a:pPr lvl="2"/>
+            <a:r>
+              <a:rPr lang="en-US" altLang="zh-CN" sz="1800"/>
+              <a:t>CMD [“echo”, “Image created”]</a:t>
+            </a:r>
+            <a:endParaRPr lang="en-US" altLang="zh-CN"/>
+          </a:p>
+          <a:p>
+            <a:pPr lvl="1"/>
+            <a:r>
+              <a:rPr lang="en-US" altLang="zh-CN"/>
+              <a:t>MAINTAINER	// mail address</a:t>
+            </a:r>
+            <a:endParaRPr lang="en-US" altLang="zh-CN"/>
+          </a:p>
+          <a:p>
+            <a:pPr lvl="1"/>
+            <a:r>
+              <a:rPr lang="en-US" altLang="zh-CN"/>
+              <a:t>ENV {key1}={value1}</a:t>
+            </a:r>
+            <a:endParaRPr lang="en-US" altLang="zh-CN"/>
+          </a:p>
+          <a:p>
+            <a:pPr lvl="1"/>
+            <a:r>
+              <a:rPr lang="en-US" altLang="zh-CN"/>
+              <a:t>WORKDIR {dirname}</a:t>
+            </a:r>
+            <a:endParaRPr lang="en-US" altLang="zh-CN"/>
+          </a:p>
+          <a:p>
+            <a:pPr lvl="0"/>
+            <a:r>
+              <a:rPr lang="en-US" altLang="zh-CN"/>
+              <a:t>Build</a:t>
+            </a:r>
+            <a:endParaRPr lang="en-US" altLang="zh-CN"/>
+          </a:p>
+          <a:p>
+            <a:pPr lvl="1"/>
+            <a:r>
+              <a:rPr lang="en-US" altLang="zh-CN"/>
+              <a:t>docker build -t {image-name}:{tag-name} dir</a:t>
+            </a:r>
+            <a:endParaRPr lang="en-US" altLang="zh-CN"/>
+          </a:p>
+          <a:p>
+            <a:pPr lvl="2"/>
+            <a:r>
+              <a:rPr lang="en-US" altLang="zh-CN"/>
+              <a:t>-t: with tag</a:t>
+            </a:r>
+            <a:endParaRPr lang="en-US" altLang="zh-CN"/>
+          </a:p>
+          <a:p>
+            <a:pPr lvl="0"/>
+            <a:r>
+              <a:rPr lang="en-US" altLang="zh-CN"/>
+              <a:t>Public respositories</a:t>
+            </a:r>
+            <a:endParaRPr lang="en-US" altLang="zh-CN"/>
+          </a:p>
+          <a:p>
+            <a:pPr lvl="1"/>
+            <a:r>
+              <a:rPr lang="en-US" altLang="zh-CN"/>
+              <a:t>Docker Hub</a:t>
+            </a:r>
+            <a:endParaRPr lang="en-US" altLang="zh-CN"/>
+          </a:p>
+        </p:txBody>
+      </p:sp>
+      <p:sp>
+        <p:nvSpPr>
+          <p:cNvPr id="5" name="文本框 4"/>
+          <p:cNvSpPr txBox="1"/>
+          <p:nvPr/>
+        </p:nvSpPr>
+        <p:spPr>
+          <a:xfrm>
+            <a:off x="7262495" y="2163445"/>
+            <a:ext cx="4341495" cy="2030095"/>
+          </a:xfrm>
+          <a:prstGeom prst="rect">
+            <a:avLst/>
+          </a:prstGeom>
+          <a:noFill/>
+          <a:ln>
+            <a:solidFill>
+              <a:srgbClr val="FFC000"/>
+            </a:solidFill>
+          </a:ln>
+        </p:spPr>
+        <p:txBody>
+          <a:bodyPr wrap="square" rtlCol="0">
+            <a:spAutoFit/>
+          </a:bodyPr>
+          <a:p>
+            <a:r>
+              <a:rPr lang="zh-CN" altLang="en-US"/>
+              <a:t>#This is a sample Image </a:t>
+            </a:r>
+            <a:endParaRPr lang="zh-CN" altLang="en-US"/>
+          </a:p>
+          <a:p>
+            <a:r>
+              <a:rPr lang="zh-CN" altLang="en-US"/>
+              <a:t>FROM ubuntu </a:t>
+            </a:r>
+            <a:endParaRPr lang="zh-CN" altLang="en-US"/>
+          </a:p>
+          <a:p>
+            <a:r>
+              <a:rPr lang="zh-CN" altLang="en-US"/>
+              <a:t>MAINTAINER demousr@gmail.com </a:t>
+            </a:r>
+            <a:endParaRPr lang="zh-CN" altLang="en-US"/>
+          </a:p>
+          <a:p>
+            <a:endParaRPr lang="zh-CN" altLang="en-US"/>
+          </a:p>
+          <a:p>
+            <a:r>
+              <a:rPr lang="zh-CN" altLang="en-US"/>
+              <a:t>RUN apt-get update </a:t>
+            </a:r>
+            <a:endParaRPr lang="zh-CN" altLang="en-US"/>
+          </a:p>
+          <a:p>
+            <a:r>
+              <a:rPr lang="zh-CN" altLang="en-US"/>
+              <a:t>RUN apt-get install –y nginx </a:t>
+            </a:r>
+            <a:endParaRPr lang="zh-CN" altLang="en-US"/>
+          </a:p>
+          <a:p>
+            <a:r>
+              <a:rPr lang="zh-CN" altLang="en-US"/>
+              <a:t>CMD [“echo”,”Image created”] </a:t>
+            </a:r>
+            <a:endParaRPr lang="zh-CN" altLang="en-US"/>
+          </a:p>
+        </p:txBody>
+      </p:sp>
+    </p:spTree>
+    <p:custDataLst>
+      <p:tags r:id="rId1"/>
+    </p:custDataLst>
+  </p:cSld>
+  <p:clrMapOvr>
+    <a:masterClrMapping/>
+  </p:clrMapOvr>
+</p:sld>
+</file>
+
+<file path=ppt/slides/slide12.xml><?xml version="1.0" encoding="utf-8"?>
+<p:sld xmlns:a="http://schemas.openxmlformats.org/drawingml/2006/main" xmlns:r="http://schemas.openxmlformats.org/officeDocument/2006/relationships" xmlns:p="http://schemas.openxmlformats.org/presentationml/2006/main">
+  <p:cSld>
+    <p:spTree>
+      <p:nvGrpSpPr>
+        <p:cNvPr id="1" name=""/>
+        <p:cNvGrpSpPr/>
+        <p:nvPr/>
+      </p:nvGrpSpPr>
+      <p:grpSpPr/>
+      <p:sp>
+        <p:nvSpPr>
+          <p:cNvPr id="2" name="标题 1"/>
+          <p:cNvSpPr>
+            <a:spLocks noGrp="1"/>
+          </p:cNvSpPr>
+          <p:nvPr>
+            <p:ph type="title"/>
+          </p:nvPr>
+        </p:nvSpPr>
+        <p:spPr/>
+        <p:txBody>
+          <a:bodyPr/>
+          <a:p>
+            <a:r>
+              <a:rPr lang="en-US" altLang="zh-CN"/>
+              <a:t>Docker Compose</a:t>
+            </a:r>
+            <a:endParaRPr lang="en-US" altLang="zh-CN"/>
+          </a:p>
+        </p:txBody>
+      </p:sp>
+      <p:sp>
+        <p:nvSpPr>
+          <p:cNvPr id="3" name="内容占位符 2"/>
+          <p:cNvSpPr>
+            <a:spLocks noGrp="1"/>
+          </p:cNvSpPr>
+          <p:nvPr>
+            <p:ph idx="1"/>
+          </p:nvPr>
+        </p:nvSpPr>
+        <p:spPr/>
+        <p:txBody>
+          <a:bodyPr>
+            <a:normAutofit lnSpcReduction="20000"/>
+          </a:bodyPr>
+          <a:p>
+            <a:pPr lvl="0"/>
+            <a:r>
+              <a:rPr lang="en-US" altLang="zh-CN" sz="2400">
+                <a:sym typeface="+mn-ea"/>
+              </a:rPr>
+              <a:t>Intro</a:t>
+            </a:r>
+            <a:endParaRPr lang="en-US" altLang="zh-CN" sz="2400">
+              <a:sym typeface="+mn-ea"/>
+            </a:endParaRPr>
+          </a:p>
+          <a:p>
+            <a:pPr lvl="1"/>
+            <a:r>
+              <a:rPr lang="en-US" altLang="zh-CN" sz="2000">
+                <a:sym typeface="+mn-ea"/>
+              </a:rPr>
+              <a:t>Used to run multiple containers as a single service</a:t>
+            </a:r>
+            <a:endParaRPr lang="en-US" altLang="zh-CN" sz="2000">
+              <a:sym typeface="+mn-ea"/>
+            </a:endParaRPr>
+          </a:p>
+          <a:p>
+            <a:pPr lvl="0"/>
+            <a:r>
+              <a:rPr lang="en-US" altLang="zh-CN" sz="2400">
+                <a:sym typeface="+mn-ea"/>
+              </a:rPr>
+              <a:t>docker-compose commands</a:t>
+            </a:r>
+            <a:endParaRPr lang="en-US" altLang="zh-CN" sz="2400"/>
+          </a:p>
+          <a:p>
+            <a:pPr lvl="1"/>
+            <a:r>
+              <a:rPr lang="en-US" altLang="zh-CN">
+                <a:sym typeface="+mn-ea"/>
+              </a:rPr>
+              <a:t>docker-compose build</a:t>
+            </a:r>
+            <a:endParaRPr lang="en-US" altLang="zh-CN"/>
+          </a:p>
+          <a:p>
+            <a:pPr lvl="1"/>
+            <a:r>
+              <a:rPr lang="en-US" altLang="zh-CN">
+                <a:sym typeface="+mn-ea"/>
+              </a:rPr>
+              <a:t>docker-compose up -d	// create and start containers</a:t>
+            </a:r>
+            <a:endParaRPr lang="en-US" altLang="zh-CN">
+              <a:sym typeface="+mn-ea"/>
+            </a:endParaRPr>
+          </a:p>
+          <a:p>
+            <a:pPr lvl="2"/>
+            <a:r>
+              <a:rPr lang="en-US" altLang="zh-CN" sz="2000">
+                <a:sym typeface="+mn-ea"/>
+              </a:rPr>
+              <a:t>-d: in daemon mode</a:t>
+            </a:r>
+            <a:endParaRPr lang="en-US" altLang="zh-CN" sz="2000"/>
+          </a:p>
+          <a:p>
+            <a:pPr lvl="1" algn="l">
+              <a:buClrTx/>
+              <a:buSzTx/>
+            </a:pPr>
+            <a:r>
+              <a:rPr lang="en-US" altLang="zh-CN">
+                <a:sym typeface="+mn-ea"/>
+              </a:rPr>
+              <a:t>docker-compose down	// Stop and remove containers, networks, images and volumes</a:t>
+            </a:r>
+            <a:endParaRPr lang="en-US" altLang="zh-CN">
+              <a:sym typeface="+mn-ea"/>
+            </a:endParaRPr>
+          </a:p>
+          <a:p>
+            <a:pPr lvl="1"/>
+            <a:r>
+              <a:rPr lang="en-US" altLang="zh-CN">
+                <a:sym typeface="+mn-ea"/>
+              </a:rPr>
+              <a:t>docker-compose run web env	// show env variables</a:t>
+            </a:r>
+            <a:endParaRPr lang="en-US" altLang="zh-CN"/>
+          </a:p>
+          <a:p>
+            <a:pPr lvl="1"/>
+            <a:r>
+              <a:rPr lang="en-US" altLang="zh-CN">
+                <a:sym typeface="+mn-ea"/>
+              </a:rPr>
+              <a:t>docker-compose logs	// show logs</a:t>
+            </a:r>
+            <a:endParaRPr lang="en-US" altLang="zh-CN">
+              <a:sym typeface="+mn-ea"/>
+            </a:endParaRPr>
+          </a:p>
+          <a:p>
+            <a:pPr lvl="1"/>
+            <a:r>
+              <a:rPr lang="en-US" altLang="zh-CN">
+                <a:sym typeface="+mn-ea"/>
+              </a:rPr>
+              <a:t>docker-compose ps	// list containers</a:t>
+            </a:r>
+            <a:endParaRPr lang="en-US" altLang="zh-CN"/>
+          </a:p>
+          <a:p>
+            <a:pPr lvl="1"/>
+            <a:r>
+              <a:rPr lang="en-US" altLang="zh-CN">
+                <a:sym typeface="+mn-ea"/>
+              </a:rPr>
+              <a:t>docker-compose images	// list images</a:t>
+            </a:r>
+            <a:endParaRPr lang="en-US" altLang="zh-CN">
+              <a:sym typeface="+mn-ea"/>
+            </a:endParaRPr>
+          </a:p>
+          <a:p>
+            <a:pPr lvl="1"/>
+            <a:r>
+              <a:rPr lang="en-US" altLang="zh-CN">
+                <a:sym typeface="+mn-ea"/>
+              </a:rPr>
+              <a:t>docker-compose -h		// show help</a:t>
+            </a:r>
+            <a:endParaRPr lang="en-US" altLang="zh-CN">
+              <a:sym typeface="+mn-ea"/>
+            </a:endParaRPr>
+          </a:p>
+          <a:p>
+            <a:pPr lvl="0" algn="l">
+              <a:buClrTx/>
+              <a:buSzTx/>
+            </a:pPr>
+            <a:r>
+              <a:rPr lang="en-US" altLang="zh-CN" sz="2400">
+                <a:sym typeface="+mn-ea"/>
+              </a:rPr>
+              <a:t>docker-compose.yml</a:t>
+            </a:r>
+            <a:endParaRPr lang="en-US" altLang="zh-CN" sz="2400"/>
+          </a:p>
+          <a:p>
+            <a:pPr lvl="1"/>
+            <a:endParaRPr lang="en-US" altLang="zh-CN" sz="2400"/>
+          </a:p>
+          <a:p>
+            <a:endParaRPr lang="zh-CN" altLang="en-US"/>
+          </a:p>
+        </p:txBody>
+      </p:sp>
+    </p:spTree>
+    <p:custDataLst>
+      <p:tags r:id="rId1"/>
+    </p:custDataLst>
+  </p:cSld>
+  <p:clrMapOvr>
+    <a:masterClrMapping/>
+  </p:clrMapOvr>
+</p:sld>
+</file>
+
+<file path=ppt/slides/slide13.xml><?xml version="1.0" encoding="utf-8"?>
+<p:sld xmlns:a="http://schemas.openxmlformats.org/drawingml/2006/main" xmlns:r="http://schemas.openxmlformats.org/officeDocument/2006/relationships" xmlns:p="http://schemas.openxmlformats.org/presentationml/2006/main">
+  <p:cSld>
+    <p:spTree>
+      <p:nvGrpSpPr>
+        <p:cNvPr id="1" name=""/>
+        <p:cNvGrpSpPr/>
+        <p:nvPr/>
+      </p:nvGrpSpPr>
+      <p:grpSpPr/>
+      <p:sp>
+        <p:nvSpPr>
+          <p:cNvPr id="2" name="标题 1"/>
+          <p:cNvSpPr>
+            <a:spLocks noGrp="1"/>
+          </p:cNvSpPr>
+          <p:nvPr>
+            <p:ph type="title"/>
+          </p:nvPr>
+        </p:nvSpPr>
+        <p:spPr/>
+        <p:txBody>
+          <a:bodyPr/>
+          <a:p>
+            <a:r>
+              <a:rPr lang="en-US" altLang="zh-CN"/>
+              <a:t>Docker Machine</a:t>
+            </a:r>
+            <a:endParaRPr lang="en-US" altLang="zh-CN"/>
+          </a:p>
+        </p:txBody>
+      </p:sp>
+      <p:sp>
+        <p:nvSpPr>
+          <p:cNvPr id="3" name="内容占位符 2"/>
+          <p:cNvSpPr>
+            <a:spLocks noGrp="1"/>
+          </p:cNvSpPr>
+          <p:nvPr>
+            <p:ph idx="1"/>
+          </p:nvPr>
+        </p:nvSpPr>
+        <p:spPr/>
+        <p:txBody>
+          <a:bodyPr/>
+          <a:p>
+            <a:pPr lvl="0"/>
+            <a:r>
+              <a:rPr lang="en-US" altLang="zh-CN" sz="2400">
+                <a:sym typeface="+mn-ea"/>
+              </a:rPr>
+              <a:t>docker-machine commands</a:t>
+            </a:r>
+            <a:endParaRPr lang="en-US" altLang="zh-CN" sz="2400"/>
+          </a:p>
+          <a:p>
+            <a:pPr lvl="1"/>
+            <a:r>
+              <a:rPr lang="en-US" altLang="zh-CN" sz="2400">
+                <a:sym typeface="+mn-ea"/>
+              </a:rPr>
+              <a:t>docker-machine create  -d virtualbox {machine-name}</a:t>
+            </a:r>
+            <a:endParaRPr lang="en-US" altLang="zh-CN" sz="2400">
+              <a:sym typeface="+mn-ea"/>
+            </a:endParaRPr>
+          </a:p>
+          <a:p>
+            <a:pPr lvl="2"/>
+            <a:r>
+              <a:rPr lang="en-US" altLang="zh-CN" sz="2160">
+                <a:sym typeface="+mn-ea"/>
+              </a:rPr>
+              <a:t>-d/--driver: which provider the machine should be created on (VirtualBox, DigitalOcean, AWS, etc.)</a:t>
+            </a:r>
+            <a:endParaRPr lang="en-US" altLang="zh-CN" sz="2160"/>
+          </a:p>
+          <a:p>
+            <a:pPr lvl="1"/>
+            <a:r>
+              <a:rPr lang="en-US" altLang="zh-CN" sz="2400">
+                <a:sym typeface="+mn-ea"/>
+              </a:rPr>
+              <a:t>eval $(docker-machine env dev)</a:t>
+            </a:r>
+            <a:endParaRPr lang="en-US" altLang="zh-CN" sz="2400">
+              <a:sym typeface="+mn-ea"/>
+            </a:endParaRPr>
+          </a:p>
+          <a:p>
+            <a:pPr lvl="1" algn="l">
+              <a:buClrTx/>
+              <a:buSzTx/>
+            </a:pPr>
+            <a:r>
+              <a:rPr lang="en-US" altLang="zh-CN" sz="2400">
+                <a:sym typeface="+mn-ea"/>
+              </a:rPr>
+              <a:t>docker-machine ls</a:t>
+            </a:r>
+            <a:endParaRPr lang="en-US" altLang="zh-CN" sz="2400"/>
+          </a:p>
+          <a:p>
+            <a:pPr lvl="1"/>
+            <a:r>
+              <a:rPr lang="en-US" altLang="zh-CN" sz="2400"/>
+              <a:t>docker-machine ip default</a:t>
+            </a:r>
+            <a:endParaRPr lang="en-US" altLang="zh-CN" sz="2400"/>
+          </a:p>
+          <a:p>
+            <a:pPr lvl="1"/>
+            <a:r>
+              <a:rPr lang="en-US" altLang="zh-CN" sz="2400"/>
+              <a:t>docker-machine start {docker-machine-name}</a:t>
+            </a:r>
+            <a:endParaRPr lang="en-US" altLang="zh-CN" sz="2400"/>
+          </a:p>
+          <a:p>
+            <a:pPr lvl="1"/>
+            <a:r>
+              <a:rPr lang="en-US" altLang="zh-CN" sz="2400"/>
+              <a:t>eval "$(docker-machine env dev)"	# make a machine active</a:t>
+            </a:r>
+            <a:endParaRPr lang="en-US" altLang="zh-CN" sz="2400"/>
+          </a:p>
+          <a:p>
+            <a:endParaRPr lang="zh-CN" altLang="en-US"/>
+          </a:p>
+        </p:txBody>
+      </p:sp>
+    </p:spTree>
+    <p:custDataLst>
+      <p:tags r:id="rId1"/>
+    </p:custDataLst>
+  </p:cSld>
+  <p:clrMapOvr>
+    <a:masterClrMapping/>
+  </p:clrMapOvr>
+</p:sld>
+</file>
+
+<file path=ppt/slides/slide14.xml><?xml version="1.0" encoding="utf-8"?>
 <p:sld xmlns:a="http://schemas.openxmlformats.org/drawingml/2006/main" xmlns:r="http://schemas.openxmlformats.org/officeDocument/2006/relationships" xmlns:p="http://schemas.openxmlformats.org/presentationml/2006/main">
   <p:cSld>
     <p:spTree>
@@ -4058,6 +4807,454 @@
           <a:p>
             <a:r>
               <a:rPr lang="en-US" altLang="zh-CN"/>
+              <a:t>Install on Ubuntu16.04</a:t>
+            </a:r>
+            <a:endParaRPr lang="en-US" altLang="zh-CN"/>
+          </a:p>
+        </p:txBody>
+      </p:sp>
+      <p:sp>
+        <p:nvSpPr>
+          <p:cNvPr id="3" name="内容占位符 2"/>
+          <p:cNvSpPr>
+            <a:spLocks noGrp="1"/>
+          </p:cNvSpPr>
+          <p:nvPr>
+            <p:ph idx="1"/>
+          </p:nvPr>
+        </p:nvSpPr>
+        <p:spPr>
+          <a:xfrm>
+            <a:off x="838200" y="1211580"/>
+            <a:ext cx="10515600" cy="5226685"/>
+          </a:xfrm>
+        </p:spPr>
+        <p:txBody>
+          <a:bodyPr>
+            <a:normAutofit/>
+          </a:bodyPr>
+          <a:p>
+            <a:pPr fontAlgn="auto">
+              <a:lnSpc>
+                <a:spcPct val="100000"/>
+              </a:lnSpc>
+            </a:pPr>
+            <a:r>
+              <a:rPr lang="en-US" altLang="zh-CN"/>
+              <a:t>Install Docker Engine - Community (deb)</a:t>
+            </a:r>
+            <a:endParaRPr lang="en-US" altLang="zh-CN"/>
+          </a:p>
+          <a:p>
+            <a:pPr lvl="1" fontAlgn="auto">
+              <a:lnSpc>
+                <a:spcPct val="100000"/>
+              </a:lnSpc>
+            </a:pPr>
+            <a:r>
+              <a:rPr lang="en-US" altLang="zh-CN" sz="2000"/>
+              <a:t>Download and install .deb for docker-ce docker-ce-cli, and containerd.io from https://download.docker.com/linux/ubuntu/dists/</a:t>
+            </a:r>
+            <a:endParaRPr lang="en-US" altLang="zh-CN" sz="2000"/>
+          </a:p>
+          <a:p>
+            <a:pPr lvl="1" fontAlgn="auto">
+              <a:lnSpc>
+                <a:spcPct val="100000"/>
+              </a:lnSpc>
+            </a:pPr>
+            <a:r>
+              <a:rPr lang="en-US" altLang="zh-CN" sz="2000"/>
+              <a:t>sudo docker run hello-world	# test installation</a:t>
+            </a:r>
+            <a:endParaRPr lang="en-US" altLang="zh-CN" sz="2000"/>
+          </a:p>
+          <a:p>
+            <a:pPr fontAlgn="auto">
+              <a:lnSpc>
+                <a:spcPct val="100000"/>
+              </a:lnSpc>
+            </a:pPr>
+            <a:r>
+              <a:rPr lang="en-US" altLang="zh-CN"/>
+              <a:t>Install Docker Compose</a:t>
+            </a:r>
+            <a:endParaRPr lang="en-US" altLang="zh-CN"/>
+          </a:p>
+          <a:p>
+            <a:pPr lvl="1" fontAlgn="auto">
+              <a:lnSpc>
+                <a:spcPct val="100000"/>
+              </a:lnSpc>
+            </a:pPr>
+            <a:r>
+              <a:rPr lang="en-US" altLang="zh-CN"/>
+              <a:t>sudo curl -L "https://github.com/docker/compose/releases/download/1.25.3/docker-compose-$(uname -s)-$(uname -m)" -o /usr/local/bin/docker-compose	# slow</a:t>
+            </a:r>
+            <a:endParaRPr lang="en-US" altLang="zh-CN"/>
+          </a:p>
+          <a:p>
+            <a:pPr lvl="1" fontAlgn="auto">
+              <a:lnSpc>
+                <a:spcPct val="100000"/>
+              </a:lnSpc>
+            </a:pPr>
+            <a:r>
+              <a:rPr lang="en-US" altLang="zh-CN"/>
+              <a:t>sudo curl -L https://get.daocloud.io/docker/compose/releases/download/1.25.3/docker-compose-`uname -s`-`uname -m` -o /usr/local/bin/docker-compose</a:t>
+            </a:r>
+            <a:endParaRPr lang="en-US" altLang="zh-CN"/>
+          </a:p>
+          <a:p>
+            <a:pPr lvl="1" fontAlgn="auto">
+              <a:lnSpc>
+                <a:spcPct val="100000"/>
+              </a:lnSpc>
+            </a:pPr>
+            <a:r>
+              <a:rPr lang="en-US" altLang="zh-CN"/>
+              <a:t>sudo chmod +x /usr/local/bin/docker-compose</a:t>
+            </a:r>
+            <a:endParaRPr lang="en-US" altLang="zh-CN"/>
+          </a:p>
+          <a:p>
+            <a:pPr lvl="1" fontAlgn="auto">
+              <a:lnSpc>
+                <a:spcPct val="100000"/>
+              </a:lnSpc>
+            </a:pPr>
+            <a:r>
+              <a:rPr lang="en-US" altLang="zh-CN"/>
+              <a:t>docker-compose --version	# test installation</a:t>
+            </a:r>
+            <a:endParaRPr lang="en-US" altLang="zh-CN"/>
+          </a:p>
+          <a:p>
+            <a:pPr lvl="0" fontAlgn="auto">
+              <a:lnSpc>
+                <a:spcPct val="100000"/>
+              </a:lnSpc>
+            </a:pPr>
+            <a:endParaRPr lang="en-US" altLang="zh-CN"/>
+          </a:p>
+        </p:txBody>
+      </p:sp>
+    </p:spTree>
+    <p:custDataLst>
+      <p:tags r:id="rId1"/>
+    </p:custDataLst>
+  </p:cSld>
+  <p:clrMapOvr>
+    <a:masterClrMapping/>
+  </p:clrMapOvr>
+</p:sld>
+</file>
+
+<file path=ppt/slides/slide4.xml><?xml version="1.0" encoding="utf-8"?>
+<p:sld xmlns:a="http://schemas.openxmlformats.org/drawingml/2006/main" xmlns:r="http://schemas.openxmlformats.org/officeDocument/2006/relationships" xmlns:p="http://schemas.openxmlformats.org/presentationml/2006/main">
+  <p:cSld>
+    <p:spTree>
+      <p:nvGrpSpPr>
+        <p:cNvPr id="1" name=""/>
+        <p:cNvGrpSpPr/>
+        <p:nvPr/>
+      </p:nvGrpSpPr>
+      <p:grpSpPr/>
+      <p:sp>
+        <p:nvSpPr>
+          <p:cNvPr id="2" name="标题 1"/>
+          <p:cNvSpPr>
+            <a:spLocks noGrp="1"/>
+          </p:cNvSpPr>
+          <p:nvPr>
+            <p:ph type="title"/>
+          </p:nvPr>
+        </p:nvSpPr>
+        <p:spPr/>
+        <p:txBody>
+          <a:bodyPr/>
+          <a:p>
+            <a:r>
+              <a:rPr lang="en-US" altLang="zh-CN"/>
+              <a:t>Install On Ubuntu 16.04</a:t>
+            </a:r>
+            <a:endParaRPr lang="en-US" altLang="zh-CN"/>
+          </a:p>
+        </p:txBody>
+      </p:sp>
+      <p:sp>
+        <p:nvSpPr>
+          <p:cNvPr id="3" name="内容占位符 2"/>
+          <p:cNvSpPr>
+            <a:spLocks noGrp="1"/>
+          </p:cNvSpPr>
+          <p:nvPr>
+            <p:ph idx="1"/>
+          </p:nvPr>
+        </p:nvSpPr>
+        <p:spPr/>
+        <p:txBody>
+          <a:bodyPr>
+            <a:normAutofit lnSpcReduction="10000"/>
+          </a:bodyPr>
+          <a:p>
+            <a:pPr lvl="0" fontAlgn="auto">
+              <a:lnSpc>
+                <a:spcPct val="100000"/>
+              </a:lnSpc>
+            </a:pPr>
+            <a:r>
+              <a:rPr lang="en-US" altLang="zh-CN" sz="2400">
+                <a:sym typeface="+mn-ea"/>
+              </a:rPr>
+              <a:t>Install Docker Machine</a:t>
+            </a:r>
+            <a:endParaRPr lang="en-US" altLang="zh-CN" sz="2400"/>
+          </a:p>
+          <a:p>
+            <a:pPr lvl="1" fontAlgn="auto">
+              <a:lnSpc>
+                <a:spcPct val="100000"/>
+              </a:lnSpc>
+            </a:pPr>
+            <a:r>
+              <a:rPr lang="en-US" altLang="zh-CN" sz="2400">
+                <a:sym typeface="+mn-ea"/>
+              </a:rPr>
+              <a:t>Download docker-machine from https://github.com/docker/machine/releases/download/</a:t>
+            </a:r>
+            <a:endParaRPr lang="en-US" altLang="zh-CN" sz="2400"/>
+          </a:p>
+          <a:p>
+            <a:pPr lvl="1" fontAlgn="auto">
+              <a:lnSpc>
+                <a:spcPct val="100000"/>
+              </a:lnSpc>
+            </a:pPr>
+            <a:r>
+              <a:rPr lang="en-US" altLang="zh-CN" sz="2400">
+                <a:sym typeface="+mn-ea"/>
+              </a:rPr>
+              <a:t>docker-machine --version	# test installation</a:t>
+            </a:r>
+            <a:endParaRPr lang="en-US" altLang="zh-CN" sz="2400"/>
+          </a:p>
+          <a:p>
+            <a:pPr lvl="1" fontAlgn="auto">
+              <a:lnSpc>
+                <a:spcPct val="100000"/>
+              </a:lnSpc>
+            </a:pPr>
+            <a:r>
+              <a:rPr lang="en-US" altLang="zh-CN" sz="2400">
+                <a:sym typeface="+mn-ea"/>
+              </a:rPr>
+              <a:t>wget -q https://www.virtualbox.org/download/oracle_vbox_2016.asc -O- | sudo apt-key add -</a:t>
+            </a:r>
+            <a:endParaRPr lang="en-US" altLang="zh-CN" sz="2400"/>
+          </a:p>
+          <a:p>
+            <a:pPr lvl="1" fontAlgn="auto">
+              <a:lnSpc>
+                <a:spcPct val="100000"/>
+              </a:lnSpc>
+            </a:pPr>
+            <a:r>
+              <a:rPr lang="en-US" altLang="zh-CN" sz="2400">
+                <a:sym typeface="+mn-ea"/>
+              </a:rPr>
+              <a:t>wget -q https://www.virtualbox.org/download/oracle_vbox.asc -O- | sudo apt-key add -</a:t>
+            </a:r>
+            <a:endParaRPr lang="en-US" altLang="zh-CN" sz="2400"/>
+          </a:p>
+          <a:p>
+            <a:pPr lvl="1" fontAlgn="auto">
+              <a:lnSpc>
+                <a:spcPct val="100000"/>
+              </a:lnSpc>
+            </a:pPr>
+            <a:r>
+              <a:rPr lang="en-US" altLang="zh-CN" sz="2400">
+                <a:sym typeface="+mn-ea"/>
+              </a:rPr>
+              <a:t>sudo sh -c 'echo "deb http://download.virtualbox.org/virtualbox/debian $(lsb_release -sc) contrib" &gt;&gt; /etc/apt/sources.list.d/virtualbox.list'</a:t>
+            </a:r>
+            <a:endParaRPr lang="en-US" altLang="zh-CN" sz="2400">
+              <a:sym typeface="+mn-ea"/>
+            </a:endParaRPr>
+          </a:p>
+          <a:p>
+            <a:pPr lvl="1" fontAlgn="auto">
+              <a:lnSpc>
+                <a:spcPct val="100000"/>
+              </a:lnSpc>
+            </a:pPr>
+            <a:r>
+              <a:rPr lang="en-US" altLang="zh-CN" sz="2400">
+                <a:sym typeface="+mn-ea"/>
+              </a:rPr>
+              <a:t>sudo apt update</a:t>
+            </a:r>
+            <a:endParaRPr lang="en-US" altLang="zh-CN" sz="2400">
+              <a:sym typeface="+mn-ea"/>
+            </a:endParaRPr>
+          </a:p>
+          <a:p>
+            <a:pPr lvl="1" fontAlgn="auto">
+              <a:lnSpc>
+                <a:spcPct val="100000"/>
+              </a:lnSpc>
+            </a:pPr>
+            <a:r>
+              <a:rPr lang="en-US" altLang="zh-CN" sz="2400">
+                <a:sym typeface="+mn-ea"/>
+              </a:rPr>
+              <a:t>sudo apt install virtualbox</a:t>
+            </a:r>
+            <a:endParaRPr lang="en-US" altLang="zh-CN" sz="2400"/>
+          </a:p>
+          <a:p>
+            <a:endParaRPr lang="zh-CN" altLang="en-US"/>
+          </a:p>
+        </p:txBody>
+      </p:sp>
+    </p:spTree>
+    <p:custDataLst>
+      <p:tags r:id="rId1"/>
+    </p:custDataLst>
+  </p:cSld>
+  <p:clrMapOvr>
+    <a:masterClrMapping/>
+  </p:clrMapOvr>
+</p:sld>
+</file>
+
+<file path=ppt/slides/slide5.xml><?xml version="1.0" encoding="utf-8"?>
+<p:sld xmlns:a="http://schemas.openxmlformats.org/drawingml/2006/main" xmlns:r="http://schemas.openxmlformats.org/officeDocument/2006/relationships" xmlns:p="http://schemas.openxmlformats.org/presentationml/2006/main">
+  <p:cSld>
+    <p:spTree>
+      <p:nvGrpSpPr>
+        <p:cNvPr id="1" name=""/>
+        <p:cNvGrpSpPr/>
+        <p:nvPr/>
+      </p:nvGrpSpPr>
+      <p:grpSpPr/>
+      <p:sp>
+        <p:nvSpPr>
+          <p:cNvPr id="2" name="标题 1"/>
+          <p:cNvSpPr>
+            <a:spLocks noGrp="1"/>
+          </p:cNvSpPr>
+          <p:nvPr>
+            <p:ph type="title"/>
+          </p:nvPr>
+        </p:nvSpPr>
+        <p:spPr/>
+        <p:txBody>
+          <a:bodyPr/>
+          <a:p>
+            <a:r>
+              <a:rPr lang="en-US" altLang="zh-CN"/>
+              <a:t>Install On Aliyun Ubuntu 16.04</a:t>
+            </a:r>
+            <a:endParaRPr lang="en-US" altLang="zh-CN"/>
+          </a:p>
+        </p:txBody>
+      </p:sp>
+      <p:sp>
+        <p:nvSpPr>
+          <p:cNvPr id="3" name="内容占位符 2"/>
+          <p:cNvSpPr>
+            <a:spLocks noGrp="1"/>
+          </p:cNvSpPr>
+          <p:nvPr>
+            <p:ph idx="1"/>
+          </p:nvPr>
+        </p:nvSpPr>
+        <p:spPr/>
+        <p:txBody>
+          <a:bodyPr/>
+          <a:p>
+            <a:r>
+              <a:rPr lang="en-US" altLang="zh-CN"/>
+              <a:t>Docker Engine</a:t>
+            </a:r>
+            <a:endParaRPr lang="en-US" altLang="zh-CN"/>
+          </a:p>
+          <a:p>
+            <a:pPr lvl="1"/>
+            <a:r>
+              <a:rPr lang="zh-CN" altLang="en-US"/>
+              <a:t>sudo curl -fsSL https://get.docker.com | bash -s docker --mirror Aliyun</a:t>
+            </a:r>
+            <a:endParaRPr lang="zh-CN" altLang="en-US"/>
+          </a:p>
+          <a:p>
+            <a:pPr lvl="1"/>
+            <a:r>
+              <a:rPr lang="zh-CN" altLang="en-US"/>
+              <a:t>sudo -E sh -c 'apt-get install -y -qq --no-install-recommends docker-ce &gt;/dev/null'</a:t>
+            </a:r>
+            <a:endParaRPr lang="zh-CN" altLang="en-US"/>
+          </a:p>
+          <a:p>
+            <a:pPr lvl="1"/>
+            <a:r>
+              <a:rPr lang="zh-CN" altLang="en-US"/>
+              <a:t>sudo -E sh -c 'docker version'</a:t>
+            </a:r>
+            <a:endParaRPr lang="zh-CN" altLang="en-US"/>
+          </a:p>
+          <a:p>
+            <a:pPr lvl="1"/>
+            <a:r>
+              <a:rPr lang="en-US" altLang="zh-CN"/>
+              <a:t>sudo docker run hello-world	# test install</a:t>
+            </a:r>
+            <a:endParaRPr lang="zh-CN" altLang="en-US"/>
+          </a:p>
+          <a:p>
+            <a:endParaRPr lang="zh-CN" altLang="en-US"/>
+          </a:p>
+        </p:txBody>
+      </p:sp>
+    </p:spTree>
+    <p:custDataLst>
+      <p:tags r:id="rId1"/>
+    </p:custDataLst>
+  </p:cSld>
+  <p:clrMapOvr>
+    <a:masterClrMapping/>
+  </p:clrMapOvr>
+</p:sld>
+</file>
+
+<file path=ppt/slides/slide6.xml><?xml version="1.0" encoding="utf-8"?>
+<p:sld xmlns:a="http://schemas.openxmlformats.org/drawingml/2006/main" xmlns:r="http://schemas.openxmlformats.org/officeDocument/2006/relationships" xmlns:p="http://schemas.openxmlformats.org/presentationml/2006/main">
+  <p:cSld>
+    <p:spTree>
+      <p:nvGrpSpPr>
+        <p:cNvPr id="1" name=""/>
+        <p:cNvGrpSpPr/>
+        <p:nvPr/>
+      </p:nvGrpSpPr>
+      <p:grpSpPr/>
+      <p:sp>
+        <p:nvSpPr>
+          <p:cNvPr id="2" name="标题 1"/>
+          <p:cNvSpPr>
+            <a:spLocks noGrp="1"/>
+          </p:cNvSpPr>
+          <p:nvPr>
+            <p:ph type="title"/>
+          </p:nvPr>
+        </p:nvSpPr>
+        <p:spPr/>
+        <p:txBody>
+          <a:bodyPr/>
+          <a:p>
+            <a:r>
+              <a:rPr lang="en-US" altLang="zh-CN"/>
               <a:t>Components</a:t>
             </a:r>
             <a:endParaRPr lang="en-US" altLang="zh-CN"/>
@@ -4352,7 +5549,7 @@
 </p:sld>
 </file>
 
-<file path=ppt/slides/slide4.xml><?xml version="1.0" encoding="utf-8"?>
+<file path=ppt/slides/slide7.xml><?xml version="1.0" encoding="utf-8"?>
 <p:sld xmlns:a="http://schemas.openxmlformats.org/drawingml/2006/main" xmlns:r="http://schemas.openxmlformats.org/officeDocument/2006/relationships" xmlns:p="http://schemas.openxmlformats.org/presentationml/2006/main">
   <p:cSld>
     <p:spTree>
@@ -4729,7 +5926,7 @@
 </p:sld>
 </file>
 
-<file path=ppt/slides/slide5.xml><?xml version="1.0" encoding="utf-8"?>
+<file path=ppt/slides/slide8.xml><?xml version="1.0" encoding="utf-8"?>
 <p:sld xmlns:a="http://schemas.openxmlformats.org/drawingml/2006/main" xmlns:r="http://schemas.openxmlformats.org/officeDocument/2006/relationships" xmlns:p="http://schemas.openxmlformats.org/presentationml/2006/main">
   <p:cSld>
     <p:spTree>
@@ -4798,495 +5995,6 @@
 </p:sld>
 </file>
 
-<file path=ppt/slides/slide6.xml><?xml version="1.0" encoding="utf-8"?>
-<p:sld xmlns:a="http://schemas.openxmlformats.org/drawingml/2006/main" xmlns:r="http://schemas.openxmlformats.org/officeDocument/2006/relationships" xmlns:p="http://schemas.openxmlformats.org/presentationml/2006/main">
-  <p:cSld>
-    <p:spTree>
-      <p:nvGrpSpPr>
-        <p:cNvPr id="1" name=""/>
-        <p:cNvGrpSpPr/>
-        <p:nvPr/>
-      </p:nvGrpSpPr>
-      <p:grpSpPr/>
-      <p:sp>
-        <p:nvSpPr>
-          <p:cNvPr id="2" name="标题 1"/>
-          <p:cNvSpPr>
-            <a:spLocks noGrp="1"/>
-          </p:cNvSpPr>
-          <p:nvPr>
-            <p:ph type="title"/>
-          </p:nvPr>
-        </p:nvSpPr>
-        <p:spPr/>
-        <p:txBody>
-          <a:bodyPr/>
-          <a:p>
-            <a:r>
-              <a:rPr lang="en-US" altLang="zh-CN"/>
-              <a:t>Docker Commands</a:t>
-            </a:r>
-            <a:endParaRPr lang="en-US" altLang="zh-CN"/>
-          </a:p>
-        </p:txBody>
-      </p:sp>
-      <p:sp>
-        <p:nvSpPr>
-          <p:cNvPr id="3" name="内容占位符 2"/>
-          <p:cNvSpPr>
-            <a:spLocks noGrp="1"/>
-          </p:cNvSpPr>
-          <p:nvPr>
-            <p:ph idx="1"/>
-          </p:nvPr>
-        </p:nvSpPr>
-        <p:spPr>
-          <a:xfrm>
-            <a:off x="838200" y="1211580"/>
-            <a:ext cx="10515600" cy="5410200"/>
-          </a:xfrm>
-        </p:spPr>
-        <p:txBody>
-          <a:bodyPr>
-            <a:normAutofit lnSpcReduction="20000"/>
-          </a:bodyPr>
-          <a:p>
-            <a:r>
-              <a:rPr lang="en-US" altLang="zh-CN"/>
-              <a:t>docker commands</a:t>
-            </a:r>
-            <a:endParaRPr lang="en-US" altLang="zh-CN"/>
-          </a:p>
-          <a:p>
-            <a:pPr lvl="1"/>
-            <a:r>
-              <a:rPr lang="en-US" altLang="zh-CN"/>
-              <a:t>docker version/info</a:t>
-            </a:r>
-            <a:endParaRPr lang="en-US" altLang="zh-CN"/>
-          </a:p>
-          <a:p>
-            <a:pPr lvl="1"/>
-            <a:r>
-              <a:rPr lang="en-US" altLang="zh-CN"/>
-              <a:t>docker pull busybox	// pull busy image from docker registry</a:t>
-            </a:r>
-            <a:endParaRPr lang="en-US" altLang="zh-CN"/>
-          </a:p>
-          <a:p>
-            <a:pPr lvl="1"/>
-            <a:r>
-              <a:rPr lang="en-US" altLang="zh-CN">
-                <a:sym typeface="+mn-ea"/>
-              </a:rPr>
-              <a:t>docker run {image-name}	// create a new container and run an image</a:t>
-            </a:r>
-            <a:endParaRPr lang="en-US" altLang="zh-CN">
-              <a:sym typeface="+mn-ea"/>
-            </a:endParaRPr>
-          </a:p>
-          <a:p>
-            <a:pPr lvl="2"/>
-            <a:r>
-              <a:rPr lang="en-US" altLang="zh-CN" sz="1800">
-                <a:sym typeface="+mn-ea"/>
-              </a:rPr>
-              <a:t>-it	// interactive</a:t>
-            </a:r>
-            <a:endParaRPr lang="en-US" altLang="zh-CN" sz="1800">
-              <a:sym typeface="+mn-ea"/>
-            </a:endParaRPr>
-          </a:p>
-          <a:p>
-            <a:pPr lvl="2"/>
-            <a:r>
-              <a:rPr lang="en-US" altLang="zh-CN"/>
-              <a:t>-p {port-number-host}:{port-number-container}</a:t>
-            </a:r>
-            <a:endParaRPr lang="en-US" altLang="zh-CN"/>
-          </a:p>
-          <a:p>
-            <a:pPr lvl="1"/>
-            <a:r>
-              <a:rPr lang="en-US" altLang="zh-CN"/>
-              <a:t>docker images	// list installed images</a:t>
-            </a:r>
-            <a:endParaRPr lang="en-US" altLang="zh-CN"/>
-          </a:p>
-          <a:p>
-            <a:pPr lvl="1"/>
-            <a:r>
-              <a:rPr lang="en-US" altLang="zh-CN"/>
-              <a:t>docker image build -t {image-name} .</a:t>
-            </a:r>
-            <a:endParaRPr lang="en-US" altLang="zh-CN"/>
-          </a:p>
-          <a:p>
-            <a:pPr lvl="1"/>
-            <a:r>
-              <a:rPr lang="en-US" altLang="zh-CN"/>
-              <a:t>docker container run --name {container-name} {image-name}</a:t>
-            </a:r>
-            <a:endParaRPr lang="en-US" altLang="zh-CN"/>
-          </a:p>
-          <a:p>
-            <a:pPr lvl="1"/>
-            <a:r>
-              <a:rPr lang="en-US" altLang="zh-CN"/>
-              <a:t>docker container rm --force {container-name}</a:t>
-            </a:r>
-            <a:endParaRPr lang="en-US" altLang="zh-CN"/>
-          </a:p>
-          <a:p>
-            <a:pPr lvl="1"/>
-            <a:r>
-              <a:rPr lang="en-US" altLang="zh-CN"/>
-              <a:t>docker rmi {image-	id}</a:t>
-            </a:r>
-            <a:endParaRPr lang="en-US" altLang="zh-CN"/>
-          </a:p>
-          <a:p>
-            <a:pPr lvl="1"/>
-            <a:r>
-              <a:rPr lang="en-US" altLang="zh-CN"/>
-              <a:t>docker inspect {image-name}</a:t>
-            </a:r>
-            <a:endParaRPr lang="en-US" altLang="zh-CN"/>
-          </a:p>
-          <a:p>
-            <a:pPr lvl="1"/>
-            <a:r>
-              <a:rPr lang="en-US" altLang="zh-CN"/>
-              <a:t>docker ps	// list containers</a:t>
-            </a:r>
-            <a:endParaRPr lang="en-US" altLang="zh-CN"/>
-          </a:p>
-          <a:p>
-            <a:pPr lvl="2"/>
-            <a:r>
-              <a:rPr lang="en-US" altLang="zh-CN" sz="1800"/>
-              <a:t>-a	// list all</a:t>
-            </a:r>
-            <a:endParaRPr lang="en-US" altLang="zh-CN" sz="1800"/>
-          </a:p>
-          <a:p>
-            <a:pPr lvl="1"/>
-            <a:r>
-              <a:rPr lang="en-US" altLang="zh-CN" sz="2000"/>
-              <a:t>docker history {image-id}</a:t>
-            </a:r>
-            <a:endParaRPr lang="en-US" altLang="zh-CN" sz="2000"/>
-          </a:p>
-          <a:p>
-            <a:pPr lvl="1"/>
-            <a:r>
-              <a:rPr lang="en-US" altLang="zh-CN"/>
-              <a:t>docker top/stats/attach/pause/unpause/kill/stop/rm {container-id}</a:t>
-            </a:r>
-            <a:endParaRPr lang="en-US" altLang="zh-CN"/>
-          </a:p>
-          <a:p>
-            <a:pPr lvl="1"/>
-            <a:r>
-              <a:rPr lang="en-US" altLang="zh-CN"/>
-              <a:t>service docker start/stop	// stop Docker daemon</a:t>
-            </a:r>
-            <a:endParaRPr lang="en-US" altLang="zh-CN"/>
-          </a:p>
-          <a:p>
-            <a:pPr lvl="1"/>
-            <a:r>
-              <a:rPr lang="en-US" altLang="zh-CN"/>
-              <a:t>docker network ls, docker network inspect {name}</a:t>
-            </a:r>
-            <a:endParaRPr lang="en-US" altLang="zh-CN"/>
-          </a:p>
-          <a:p>
-            <a:pPr lvl="0"/>
-            <a:endParaRPr lang="en-US" altLang="zh-CN"/>
-          </a:p>
-        </p:txBody>
-      </p:sp>
-    </p:spTree>
-    <p:custDataLst>
-      <p:tags r:id="rId1"/>
-    </p:custDataLst>
-  </p:cSld>
-  <p:clrMapOvr>
-    <a:masterClrMapping/>
-  </p:clrMapOvr>
-</p:sld>
-</file>
-
-<file path=ppt/slides/slide7.xml><?xml version="1.0" encoding="utf-8"?>
-<p:sld xmlns:a="http://schemas.openxmlformats.org/drawingml/2006/main" xmlns:r="http://schemas.openxmlformats.org/officeDocument/2006/relationships" xmlns:p="http://schemas.openxmlformats.org/presentationml/2006/main">
-  <p:cSld>
-    <p:spTree>
-      <p:nvGrpSpPr>
-        <p:cNvPr id="1" name=""/>
-        <p:cNvGrpSpPr/>
-        <p:nvPr/>
-      </p:nvGrpSpPr>
-      <p:grpSpPr/>
-      <p:sp>
-        <p:nvSpPr>
-          <p:cNvPr id="2" name="标题 1"/>
-          <p:cNvSpPr>
-            <a:spLocks noGrp="1"/>
-          </p:cNvSpPr>
-          <p:nvPr>
-            <p:ph type="title"/>
-          </p:nvPr>
-        </p:nvSpPr>
-        <p:spPr/>
-        <p:txBody>
-          <a:bodyPr/>
-          <a:p>
-            <a:r>
-              <a:rPr lang="en-US" altLang="zh-CN"/>
-              <a:t>Docker Machine Commands</a:t>
-            </a:r>
-            <a:endParaRPr lang="en-US" altLang="zh-CN"/>
-          </a:p>
-        </p:txBody>
-      </p:sp>
-      <p:sp>
-        <p:nvSpPr>
-          <p:cNvPr id="3" name="内容占位符 2"/>
-          <p:cNvSpPr>
-            <a:spLocks noGrp="1"/>
-          </p:cNvSpPr>
-          <p:nvPr>
-            <p:ph idx="1"/>
-          </p:nvPr>
-        </p:nvSpPr>
-        <p:spPr/>
-        <p:txBody>
-          <a:bodyPr/>
-          <a:p>
-            <a:pPr lvl="0"/>
-            <a:r>
-              <a:rPr lang="en-US" altLang="zh-CN" sz="2400">
-                <a:sym typeface="+mn-ea"/>
-              </a:rPr>
-              <a:t>docker-compose commands</a:t>
-            </a:r>
-            <a:endParaRPr lang="en-US" altLang="zh-CN" sz="2400"/>
-          </a:p>
-          <a:p>
-            <a:pPr lvl="1"/>
-            <a:r>
-              <a:rPr lang="en-US" altLang="zh-CN" sz="2400">
-                <a:sym typeface="+mn-ea"/>
-              </a:rPr>
-              <a:t>docker-machine create  -d virtualbox dev</a:t>
-            </a:r>
-            <a:endParaRPr lang="en-US" altLang="zh-CN" sz="2400"/>
-          </a:p>
-          <a:p>
-            <a:pPr lvl="1"/>
-            <a:r>
-              <a:rPr lang="en-US" altLang="zh-CN" sz="2400">
-                <a:sym typeface="+mn-ea"/>
-              </a:rPr>
-              <a:t>eval $(docker-machine env dev)</a:t>
-            </a:r>
-            <a:endParaRPr lang="en-US" altLang="zh-CN" sz="2400">
-              <a:sym typeface="+mn-ea"/>
-            </a:endParaRPr>
-          </a:p>
-          <a:p>
-            <a:pPr lvl="1" algn="l">
-              <a:buClrTx/>
-              <a:buSzTx/>
-            </a:pPr>
-            <a:r>
-              <a:rPr lang="en-US" altLang="zh-CN" sz="2400">
-                <a:sym typeface="+mn-ea"/>
-              </a:rPr>
-              <a:t>docker-machine ls</a:t>
-            </a:r>
-            <a:endParaRPr lang="en-US" altLang="zh-CN" sz="2400"/>
-          </a:p>
-          <a:p>
-            <a:pPr lvl="1"/>
-            <a:r>
-              <a:rPr lang="en-US" altLang="zh-CN" sz="2400"/>
-              <a:t>docker-machine ip default</a:t>
-            </a:r>
-            <a:endParaRPr lang="en-US" altLang="zh-CN" sz="2400"/>
-          </a:p>
-          <a:p>
-            <a:endParaRPr lang="zh-CN" altLang="en-US"/>
-          </a:p>
-        </p:txBody>
-      </p:sp>
-    </p:spTree>
-    <p:custDataLst>
-      <p:tags r:id="rId1"/>
-    </p:custDataLst>
-  </p:cSld>
-  <p:clrMapOvr>
-    <a:masterClrMapping/>
-  </p:clrMapOvr>
-</p:sld>
-</file>
-
-<file path=ppt/slides/slide8.xml><?xml version="1.0" encoding="utf-8"?>
-<p:sld xmlns:a="http://schemas.openxmlformats.org/drawingml/2006/main" xmlns:r="http://schemas.openxmlformats.org/officeDocument/2006/relationships" xmlns:p="http://schemas.openxmlformats.org/presentationml/2006/main">
-  <p:cSld>
-    <p:spTree>
-      <p:nvGrpSpPr>
-        <p:cNvPr id="1" name=""/>
-        <p:cNvGrpSpPr/>
-        <p:nvPr/>
-      </p:nvGrpSpPr>
-      <p:grpSpPr/>
-      <p:sp>
-        <p:nvSpPr>
-          <p:cNvPr id="2" name="标题 1"/>
-          <p:cNvSpPr>
-            <a:spLocks noGrp="1"/>
-          </p:cNvSpPr>
-          <p:nvPr>
-            <p:ph type="title"/>
-          </p:nvPr>
-        </p:nvSpPr>
-        <p:spPr/>
-        <p:txBody>
-          <a:bodyPr/>
-          <a:p>
-            <a:r>
-              <a:rPr lang="en-US" altLang="zh-CN"/>
-              <a:t>Docker Compose Commands</a:t>
-            </a:r>
-            <a:endParaRPr lang="en-US" altLang="zh-CN"/>
-          </a:p>
-        </p:txBody>
-      </p:sp>
-      <p:sp>
-        <p:nvSpPr>
-          <p:cNvPr id="3" name="内容占位符 2"/>
-          <p:cNvSpPr>
-            <a:spLocks noGrp="1"/>
-          </p:cNvSpPr>
-          <p:nvPr>
-            <p:ph idx="1"/>
-          </p:nvPr>
-        </p:nvSpPr>
-        <p:spPr/>
-        <p:txBody>
-          <a:bodyPr/>
-          <a:p>
-            <a:pPr lvl="0"/>
-            <a:r>
-              <a:rPr lang="en-US" altLang="zh-CN" sz="2400">
-                <a:sym typeface="+mn-ea"/>
-              </a:rPr>
-              <a:t>Intro</a:t>
-            </a:r>
-            <a:endParaRPr lang="en-US" altLang="zh-CN" sz="2400">
-              <a:sym typeface="+mn-ea"/>
-            </a:endParaRPr>
-          </a:p>
-          <a:p>
-            <a:pPr lvl="1"/>
-            <a:r>
-              <a:rPr lang="en-US" altLang="zh-CN" sz="2000">
-                <a:sym typeface="+mn-ea"/>
-              </a:rPr>
-              <a:t>Used to run multiple containers as a single service</a:t>
-            </a:r>
-            <a:endParaRPr lang="en-US" altLang="zh-CN" sz="2000">
-              <a:sym typeface="+mn-ea"/>
-            </a:endParaRPr>
-          </a:p>
-          <a:p>
-            <a:pPr lvl="0"/>
-            <a:r>
-              <a:rPr lang="en-US" altLang="zh-CN" sz="2400">
-                <a:sym typeface="+mn-ea"/>
-              </a:rPr>
-              <a:t>docker-compose commands</a:t>
-            </a:r>
-            <a:endParaRPr lang="en-US" altLang="zh-CN" sz="2400"/>
-          </a:p>
-          <a:p>
-            <a:pPr lvl="1"/>
-            <a:r>
-              <a:rPr lang="en-US" altLang="zh-CN" sz="2400">
-                <a:sym typeface="+mn-ea"/>
-              </a:rPr>
-              <a:t>docker-compose.yml</a:t>
-            </a:r>
-            <a:endParaRPr lang="en-US" altLang="zh-CN" sz="2400"/>
-          </a:p>
-          <a:p>
-            <a:pPr lvl="1"/>
-            <a:r>
-              <a:rPr lang="en-US" altLang="zh-CN" sz="2400">
-                <a:sym typeface="+mn-ea"/>
-              </a:rPr>
-              <a:t>docker-compose build</a:t>
-            </a:r>
-            <a:endParaRPr lang="en-US" altLang="zh-CN" sz="2400"/>
-          </a:p>
-          <a:p>
-            <a:pPr lvl="1"/>
-            <a:r>
-              <a:rPr lang="en-US" altLang="zh-CN" sz="2400">
-                <a:sym typeface="+mn-ea"/>
-              </a:rPr>
-              <a:t>docker-compose up -d	// Start up processes</a:t>
-            </a:r>
-            <a:endParaRPr lang="en-US" altLang="zh-CN" sz="2400"/>
-          </a:p>
-          <a:p>
-            <a:pPr lvl="1"/>
-            <a:r>
-              <a:rPr lang="en-US" altLang="zh-CN" sz="2400">
-                <a:sym typeface="+mn-ea"/>
-              </a:rPr>
-              <a:t>docker-compose run web env	// show env variables</a:t>
-            </a:r>
-            <a:endParaRPr lang="en-US" altLang="zh-CN" sz="2400"/>
-          </a:p>
-          <a:p>
-            <a:pPr lvl="1"/>
-            <a:r>
-              <a:rPr lang="en-US" altLang="zh-CN" sz="2400">
-                <a:sym typeface="+mn-ea"/>
-              </a:rPr>
-              <a:t>docker-compose logs	// show logs</a:t>
-            </a:r>
-            <a:endParaRPr lang="en-US" altLang="zh-CN" sz="2400"/>
-          </a:p>
-          <a:p>
-            <a:pPr lvl="1"/>
-            <a:r>
-              <a:rPr lang="en-US" altLang="zh-CN" sz="2400">
-                <a:sym typeface="+mn-ea"/>
-              </a:rPr>
-              <a:t>docker-compose down	// Shut down processes</a:t>
-            </a:r>
-            <a:endParaRPr lang="en-US" altLang="zh-CN" sz="2400"/>
-          </a:p>
-          <a:p>
-            <a:endParaRPr lang="zh-CN" altLang="en-US"/>
-          </a:p>
-        </p:txBody>
-      </p:sp>
-    </p:spTree>
-    <p:custDataLst>
-      <p:tags r:id="rId1"/>
-    </p:custDataLst>
-  </p:cSld>
-  <p:clrMapOvr>
-    <a:masterClrMapping/>
-  </p:clrMapOvr>
-</p:sld>
-</file>
-
 <file path=ppt/slides/slide9.xml><?xml version="1.0" encoding="utf-8"?>
 <p:sld xmlns:a="http://schemas.openxmlformats.org/drawingml/2006/main" xmlns:r="http://schemas.openxmlformats.org/officeDocument/2006/relationships" xmlns:p="http://schemas.openxmlformats.org/presentationml/2006/main">
   <p:cSld>
@@ -5313,7 +6021,7 @@
           <a:p>
             <a:r>
               <a:rPr lang="en-US" altLang="zh-CN"/>
-              <a:t>Dockerfile</a:t>
+              <a:t>Docker</a:t>
             </a:r>
             <a:endParaRPr lang="en-US" altLang="zh-CN"/>
           </a:p>
@@ -5328,202 +6036,195 @@
           <p:nvPr>
             <p:ph idx="1"/>
           </p:nvPr>
-        </p:nvSpPr>
-        <p:spPr/>
-        <p:txBody>
-          <a:bodyPr>
-            <a:normAutofit lnSpcReduction="20000"/>
-          </a:bodyPr>
-          <a:p>
-            <a:r>
-              <a:rPr lang="en-US" altLang="zh-CN"/>
-              <a:t>Commands</a:t>
-            </a:r>
-            <a:endParaRPr lang="en-US" altLang="zh-CN"/>
-          </a:p>
-          <a:p>
-            <a:pPr lvl="1"/>
-            <a:r>
-              <a:rPr lang="en-US" altLang="zh-CN"/>
-              <a:t>FROM	// from which you want to base your image with</a:t>
-            </a:r>
-            <a:endParaRPr lang="en-US" altLang="zh-CN"/>
-          </a:p>
-          <a:p>
-            <a:pPr lvl="1"/>
-            <a:r>
-              <a:rPr lang="en-US" altLang="zh-CN"/>
-              <a:t>WORKDIR</a:t>
-            </a:r>
-            <a:endParaRPr lang="en-US" altLang="zh-CN"/>
-          </a:p>
-          <a:p>
-            <a:pPr lvl="1"/>
-            <a:r>
-              <a:rPr lang="en-US" altLang="zh-CN"/>
-              <a:t>COPY</a:t>
-            </a:r>
-            <a:endParaRPr lang="en-US" altLang="zh-CN"/>
-          </a:p>
-          <a:p>
-            <a:pPr lvl="1"/>
-            <a:r>
-              <a:rPr lang="en-US" altLang="zh-CN"/>
-              <a:t>RUN</a:t>
-            </a:r>
-            <a:endParaRPr lang="en-US" altLang="zh-CN"/>
-          </a:p>
-          <a:p>
-            <a:pPr lvl="1"/>
-            <a:r>
-              <a:rPr lang="en-US" altLang="zh-CN"/>
-              <a:t>CMD</a:t>
-            </a:r>
-            <a:endParaRPr lang="en-US" altLang="zh-CN"/>
-          </a:p>
-          <a:p>
-            <a:pPr lvl="2"/>
-            <a:r>
-              <a:rPr lang="en-US" altLang="zh-CN" sz="1800"/>
-              <a:t>CMD [“echo”, “Image created”]</a:t>
-            </a:r>
-            <a:endParaRPr lang="en-US" altLang="zh-CN"/>
-          </a:p>
-          <a:p>
-            <a:pPr lvl="1"/>
-            <a:r>
-              <a:rPr lang="en-US" altLang="zh-CN"/>
-              <a:t>MAINTAINER	// mail address</a:t>
-            </a:r>
-            <a:endParaRPr lang="en-US" altLang="zh-CN"/>
-          </a:p>
-          <a:p>
-            <a:pPr lvl="1"/>
-            <a:r>
-              <a:rPr lang="en-US" altLang="zh-CN"/>
-              <a:t>ENV {key1}={value1}</a:t>
-            </a:r>
-            <a:endParaRPr lang="en-US" altLang="zh-CN"/>
-          </a:p>
-          <a:p>
-            <a:pPr lvl="1"/>
-            <a:r>
-              <a:rPr lang="en-US" altLang="zh-CN"/>
-              <a:t>WORKDIR {dirname}</a:t>
-            </a:r>
-            <a:endParaRPr lang="en-US" altLang="zh-CN"/>
-          </a:p>
-          <a:p>
-            <a:pPr lvl="0"/>
-            <a:r>
-              <a:rPr lang="en-US" altLang="zh-CN"/>
-              <a:t>Build</a:t>
-            </a:r>
-            <a:endParaRPr lang="en-US" altLang="zh-CN"/>
-          </a:p>
-          <a:p>
-            <a:pPr lvl="1"/>
-            <a:r>
-              <a:rPr lang="en-US" altLang="zh-CN"/>
-              <a:t>docker build -t {image-name}:{tag-name} dir</a:t>
-            </a:r>
-            <a:endParaRPr lang="en-US" altLang="zh-CN"/>
-          </a:p>
-          <a:p>
-            <a:pPr lvl="2"/>
-            <a:r>
-              <a:rPr lang="en-US" altLang="zh-CN"/>
-              <a:t>-t: with tag</a:t>
-            </a:r>
-            <a:endParaRPr lang="en-US" altLang="zh-CN"/>
-          </a:p>
-          <a:p>
-            <a:pPr lvl="0"/>
-            <a:r>
-              <a:rPr lang="en-US" altLang="zh-CN"/>
-              <a:t>Public respositories</a:t>
-            </a:r>
-            <a:endParaRPr lang="en-US" altLang="zh-CN"/>
-          </a:p>
-          <a:p>
-            <a:pPr lvl="1"/>
-            <a:r>
-              <a:rPr lang="en-US" altLang="zh-CN"/>
-              <a:t>Docker Hub</a:t>
-            </a:r>
-            <a:endParaRPr lang="en-US" altLang="zh-CN"/>
-          </a:p>
-        </p:txBody>
-      </p:sp>
-      <p:sp>
-        <p:nvSpPr>
-          <p:cNvPr id="5" name="文本框 4"/>
-          <p:cNvSpPr txBox="1"/>
-          <p:nvPr/>
         </p:nvSpPr>
         <p:spPr>
           <a:xfrm>
-            <a:off x="6753860" y="2163445"/>
-            <a:ext cx="4850130" cy="2030095"/>
+            <a:off x="838200" y="1211580"/>
+            <a:ext cx="10515600" cy="5410200"/>
           </a:xfrm>
-          <a:prstGeom prst="rect">
-            <a:avLst/>
-          </a:prstGeom>
-          <a:noFill/>
-          <a:ln>
-            <a:solidFill>
-              <a:srgbClr val="FFC000"/>
-            </a:solidFill>
-          </a:ln>
         </p:spPr>
         <p:txBody>
-          <a:bodyPr wrap="square" rtlCol="0">
-            <a:spAutoFit/>
+          <a:bodyPr>
+            <a:normAutofit fontScale="90000" lnSpcReduction="20000"/>
           </a:bodyPr>
           <a:p>
             <a:r>
-              <a:rPr lang="zh-CN" altLang="en-US"/>
-              <a:t>#This is a sample Image </a:t>
-            </a:r>
-            <a:endParaRPr lang="zh-CN" altLang="en-US"/>
-          </a:p>
-          <a:p>
-            <a:r>
-              <a:rPr lang="zh-CN" altLang="en-US"/>
-              <a:t>FROM ubuntu </a:t>
-            </a:r>
-            <a:endParaRPr lang="zh-CN" altLang="en-US"/>
-          </a:p>
-          <a:p>
-            <a:r>
-              <a:rPr lang="zh-CN" altLang="en-US"/>
-              <a:t>MAINTAINER demousr@gmail.com </a:t>
-            </a:r>
-            <a:endParaRPr lang="zh-CN" altLang="en-US"/>
-          </a:p>
-          <a:p>
-            <a:endParaRPr lang="zh-CN" altLang="en-US"/>
-          </a:p>
-          <a:p>
-            <a:r>
-              <a:rPr lang="zh-CN" altLang="en-US"/>
-              <a:t>RUN apt-get update </a:t>
-            </a:r>
-            <a:endParaRPr lang="zh-CN" altLang="en-US"/>
-          </a:p>
-          <a:p>
-            <a:r>
-              <a:rPr lang="zh-CN" altLang="en-US"/>
-              <a:t>RUN apt-get install –y nginx </a:t>
-            </a:r>
-            <a:endParaRPr lang="zh-CN" altLang="en-US"/>
-          </a:p>
-          <a:p>
-            <a:r>
-              <a:rPr lang="zh-CN" altLang="en-US"/>
-              <a:t>CMD [“echo”,”Image created”] </a:t>
-            </a:r>
-            <a:endParaRPr lang="zh-CN" altLang="en-US"/>
+              <a:rPr lang="en-US" altLang="zh-CN"/>
+              <a:t>docker commands</a:t>
+            </a:r>
+            <a:endParaRPr lang="en-US" altLang="zh-CN"/>
+          </a:p>
+          <a:p>
+            <a:pPr lvl="1"/>
+            <a:r>
+              <a:rPr lang="en-US" altLang="zh-CN"/>
+              <a:t>docker version/info</a:t>
+            </a:r>
+            <a:endParaRPr lang="en-US" altLang="zh-CN"/>
+          </a:p>
+          <a:p>
+            <a:pPr lvl="1"/>
+            <a:r>
+              <a:rPr lang="en-US" altLang="zh-CN"/>
+              <a:t>docker pull busybox	// pull busy image from docker registry</a:t>
+            </a:r>
+            <a:endParaRPr lang="en-US" altLang="zh-CN"/>
+          </a:p>
+          <a:p>
+            <a:pPr lvl="1"/>
+            <a:r>
+              <a:rPr lang="en-US" altLang="zh-CN">
+                <a:sym typeface="+mn-ea"/>
+              </a:rPr>
+              <a:t>docker run {image-name}	// create a new container and run an image</a:t>
+            </a:r>
+            <a:endParaRPr lang="en-US" altLang="zh-CN">
+              <a:sym typeface="+mn-ea"/>
+            </a:endParaRPr>
+          </a:p>
+          <a:p>
+            <a:pPr lvl="2"/>
+            <a:r>
+              <a:rPr lang="en-US" altLang="zh-CN" sz="1800">
+                <a:sym typeface="+mn-ea"/>
+              </a:rPr>
+              <a:t>-it	// interactive</a:t>
+            </a:r>
+            <a:endParaRPr lang="en-US" altLang="zh-CN" sz="1800">
+              <a:sym typeface="+mn-ea"/>
+            </a:endParaRPr>
+          </a:p>
+          <a:p>
+            <a:pPr lvl="2"/>
+            <a:r>
+              <a:rPr lang="en-US" altLang="zh-CN"/>
+              <a:t>-p {port-number-host}:{port-number-container}</a:t>
+            </a:r>
+            <a:endParaRPr lang="en-US" altLang="zh-CN"/>
+          </a:p>
+          <a:p>
+            <a:pPr lvl="2"/>
+            <a:r>
+              <a:rPr lang="en-US" altLang="zh-CN"/>
+              <a:t>-d	// daemon mode</a:t>
+            </a:r>
+            <a:endParaRPr lang="en-US" altLang="zh-CN"/>
+          </a:p>
+          <a:p>
+            <a:pPr lvl="2"/>
+            <a:r>
+              <a:rPr lang="en-US" altLang="zh-CN"/>
+              <a:t>--restart=always</a:t>
+            </a:r>
+            <a:endParaRPr lang="en-US" altLang="zh-CN"/>
+          </a:p>
+          <a:p>
+            <a:pPr lvl="1"/>
+            <a:r>
+              <a:rPr lang="en-US" altLang="zh-CN"/>
+              <a:t>docker images	// list installed images</a:t>
+            </a:r>
+            <a:endParaRPr lang="en-US" altLang="zh-CN"/>
+          </a:p>
+          <a:p>
+            <a:pPr lvl="1"/>
+            <a:r>
+              <a:rPr lang="en-US" altLang="zh-CN"/>
+              <a:t>docker image build -t {image-name} .</a:t>
+            </a:r>
+            <a:endParaRPr lang="en-US" altLang="zh-CN"/>
+          </a:p>
+          <a:p>
+            <a:pPr lvl="1"/>
+            <a:r>
+              <a:rPr lang="en-US" altLang="zh-CN"/>
+              <a:t>docker container run --name {container-name} {image-name}</a:t>
+            </a:r>
+            <a:endParaRPr lang="en-US" altLang="zh-CN"/>
+          </a:p>
+          <a:p>
+            <a:pPr lvl="1"/>
+            <a:r>
+              <a:rPr lang="en-US" altLang="zh-CN"/>
+              <a:t>docker container rm --force {container-name}</a:t>
+            </a:r>
+            <a:endParaRPr lang="en-US" altLang="zh-CN"/>
+          </a:p>
+          <a:p>
+            <a:pPr lvl="1"/>
+            <a:r>
+              <a:rPr lang="en-US" altLang="zh-CN"/>
+              <a:t>docker rmi {image-id}</a:t>
+            </a:r>
+            <a:endParaRPr lang="en-US" altLang="zh-CN"/>
+          </a:p>
+          <a:p>
+            <a:pPr lvl="1"/>
+            <a:r>
+              <a:rPr lang="en-US" altLang="zh-CN"/>
+              <a:t>docker inspect {image-name}</a:t>
+            </a:r>
+            <a:endParaRPr lang="en-US" altLang="zh-CN"/>
+          </a:p>
+          <a:p>
+            <a:pPr lvl="1"/>
+            <a:r>
+              <a:rPr lang="en-US" altLang="zh-CN"/>
+              <a:t>docker ps	// list containers</a:t>
+            </a:r>
+            <a:endParaRPr lang="en-US" altLang="zh-CN"/>
+          </a:p>
+          <a:p>
+            <a:pPr lvl="2"/>
+            <a:r>
+              <a:rPr lang="en-US" altLang="zh-CN" sz="1800"/>
+              <a:t>-a	// list all</a:t>
+            </a:r>
+            <a:endParaRPr lang="en-US" altLang="zh-CN" sz="1800"/>
+          </a:p>
+          <a:p>
+            <a:pPr lvl="1"/>
+            <a:r>
+              <a:rPr lang="en-US" altLang="zh-CN" sz="2000"/>
+              <a:t>docker history {image-id}</a:t>
+            </a:r>
+            <a:endParaRPr lang="en-US" altLang="zh-CN" sz="2000"/>
+          </a:p>
+          <a:p>
+            <a:pPr lvl="1"/>
+            <a:r>
+              <a:rPr lang="en-US" altLang="zh-CN"/>
+              <a:t>docker top/stats/attach/pause/unpause/kill/stop/rm {container-id}</a:t>
+            </a:r>
+            <a:endParaRPr lang="en-US" altLang="zh-CN"/>
+          </a:p>
+          <a:p>
+            <a:pPr lvl="1"/>
+            <a:r>
+              <a:rPr lang="en-US" altLang="zh-CN"/>
+              <a:t>service docker start/stop	// stop Docker daemon</a:t>
+            </a:r>
+            <a:endParaRPr lang="en-US" altLang="zh-CN"/>
+          </a:p>
+          <a:p>
+            <a:pPr lvl="1"/>
+            <a:r>
+              <a:rPr lang="en-US" altLang="zh-CN"/>
+              <a:t>docker network ls, docker network inspect {name}</a:t>
+            </a:r>
+            <a:endParaRPr lang="en-US" altLang="zh-CN"/>
+          </a:p>
+          <a:p>
+            <a:pPr lvl="1"/>
+            <a:r>
+              <a:rPr lang="en-US" altLang="zh-CN"/>
+              <a:t>docker exec -it &lt;container_name&gt; /bin/bash</a:t>
+            </a:r>
+            <a:endParaRPr lang="en-US" altLang="zh-CN"/>
+          </a:p>
+          <a:p>
+            <a:pPr lvl="0"/>
+            <a:endParaRPr lang="en-US" altLang="zh-CN"/>
           </a:p>
         </p:txBody>
       </p:sp>
@@ -5587,6 +6288,38 @@
 </file>
 
 <file path=ppt/tags/tag15.xml><?xml version="1.0" encoding="utf-8"?>
+<p:tagLst xmlns:p="http://schemas.openxmlformats.org/presentationml/2006/main">
+  <p:tag name="KSO_WM_BEAUTIFY_FLAG" val="#wm#"/>
+  <p:tag name="KSO_WM_TEMPLATE_CATEGORY" val="custom"/>
+  <p:tag name="KSO_WM_TEMPLATE_INDEX" val="160402"/>
+</p:tagLst>
+</file>
+
+<file path=ppt/tags/tag16.xml><?xml version="1.0" encoding="utf-8"?>
+<p:tagLst xmlns:p="http://schemas.openxmlformats.org/presentationml/2006/main">
+  <p:tag name="KSO_WM_BEAUTIFY_FLAG" val="#wm#"/>
+  <p:tag name="KSO_WM_TEMPLATE_CATEGORY" val="custom"/>
+  <p:tag name="KSO_WM_TEMPLATE_INDEX" val="160402"/>
+</p:tagLst>
+</file>
+
+<file path=ppt/tags/tag17.xml><?xml version="1.0" encoding="utf-8"?>
+<p:tagLst xmlns:p="http://schemas.openxmlformats.org/presentationml/2006/main">
+  <p:tag name="KSO_WM_BEAUTIFY_FLAG" val="#wm#"/>
+  <p:tag name="KSO_WM_TEMPLATE_CATEGORY" val="custom"/>
+  <p:tag name="KSO_WM_TEMPLATE_INDEX" val="160402"/>
+</p:tagLst>
+</file>
+
+<file path=ppt/tags/tag18.xml><?xml version="1.0" encoding="utf-8"?>
+<p:tagLst xmlns:p="http://schemas.openxmlformats.org/presentationml/2006/main">
+  <p:tag name="KSO_WM_BEAUTIFY_FLAG" val="#wm#"/>
+  <p:tag name="KSO_WM_TEMPLATE_CATEGORY" val="custom"/>
+  <p:tag name="KSO_WM_TEMPLATE_INDEX" val="160402"/>
+</p:tagLst>
+</file>
+
+<file path=ppt/tags/tag19.xml><?xml version="1.0" encoding="utf-8"?>
 <p:tagLst xmlns:p="http://schemas.openxmlformats.org/presentationml/2006/main">
   <p:tag name="KSO_WM_BEAUTIFY_FLAG" val="#wm#"/>
   <p:tag name="KSO_WM_TEMPLATE_CATEGORY" val="custom"/>
